--- a/HW1.pptx
+++ b/HW1.pptx
@@ -106,6 +106,11 @@
       </a:defRPr>
     </a:lvl9pPr>
   </p:defaultTextStyle>
+  <p:extLst>
+    <p:ext uri="{EFAFB233-063F-42B5-8137-9DF3F51BA10A}">
+      <p15:sldGuideLst xmlns:p15="http://schemas.microsoft.com/office/powerpoint/2012/main"/>
+    </p:ext>
+  </p:extLst>
 </p:presentation>
 </file>
 
@@ -3339,7 +3344,12 @@
             <p:ph type="ctrTitle"/>
           </p:nvPr>
         </p:nvSpPr>
-        <p:spPr/>
+        <p:spPr>
+          <a:xfrm>
+            <a:off x="1524000" y="1841454"/>
+            <a:ext cx="9144000" cy="2387600"/>
+          </a:xfrm>
+        </p:spPr>
         <p:txBody>
           <a:bodyPr/>
           <a:lstStyle/>
@@ -3348,7 +3358,23 @@
               <a:rPr lang="en-US" altLang="zh-TW" dirty="0"/>
               <a:t>HW1</a:t>
             </a:r>
-            <a:endParaRPr lang="zh-TW" altLang="en-US" dirty="0"/>
+            <a:r>
+              <a:rPr lang="zh-TW" altLang="en-US" dirty="0"/>
+              <a:t> </a:t>
+            </a:r>
+            <a:br>
+              <a:rPr lang="en-US" altLang="zh-TW" dirty="0"/>
+            </a:br>
+            <a:br>
+              <a:rPr lang="en-US" altLang="zh-TW" dirty="0"/>
+            </a:br>
+            <a:r>
+              <a:rPr lang="zh-TW" altLang="en-US" sz="4000" dirty="0">
+                <a:latin typeface="標楷體" panose="03000509000000000000" pitchFamily="65" charset="-120"/>
+                <a:ea typeface="標楷體" panose="03000509000000000000" pitchFamily="65" charset="-120"/>
+              </a:rPr>
+              <a:t>馬路偵測</a:t>
+            </a:r>
           </a:p>
         </p:txBody>
       </p:sp>

--- a/HW1.pptx
+++ b/HW1.pptx
@@ -8,6 +8,11 @@
     <p:sldId id="256" r:id="rId2"/>
     <p:sldId id="257" r:id="rId3"/>
     <p:sldId id="258" r:id="rId4"/>
+    <p:sldId id="262" r:id="rId5"/>
+    <p:sldId id="261" r:id="rId6"/>
+    <p:sldId id="263" r:id="rId7"/>
+    <p:sldId id="264" r:id="rId8"/>
+    <p:sldId id="265" r:id="rId9"/>
   </p:sldIdLst>
   <p:sldSz cx="12192000" cy="6858000"/>
   <p:notesSz cx="6858000" cy="9144000"/>
@@ -261,7 +266,7 @@
           <a:p>
             <a:fld id="{031CF770-2354-4E02-B7E5-C39564888AD7}" type="datetimeFigureOut">
               <a:rPr lang="zh-TW" altLang="en-US" smtClean="0"/>
-              <a:t>2024/10/24</a:t>
+              <a:t>2024/11/7</a:t>
             </a:fld>
             <a:endParaRPr lang="zh-TW" altLang="en-US"/>
           </a:p>
@@ -459,7 +464,7 @@
           <a:p>
             <a:fld id="{031CF770-2354-4E02-B7E5-C39564888AD7}" type="datetimeFigureOut">
               <a:rPr lang="zh-TW" altLang="en-US" smtClean="0"/>
-              <a:t>2024/10/24</a:t>
+              <a:t>2024/11/7</a:t>
             </a:fld>
             <a:endParaRPr lang="zh-TW" altLang="en-US"/>
           </a:p>
@@ -667,7 +672,7 @@
           <a:p>
             <a:fld id="{031CF770-2354-4E02-B7E5-C39564888AD7}" type="datetimeFigureOut">
               <a:rPr lang="zh-TW" altLang="en-US" smtClean="0"/>
-              <a:t>2024/10/24</a:t>
+              <a:t>2024/11/7</a:t>
             </a:fld>
             <a:endParaRPr lang="zh-TW" altLang="en-US"/>
           </a:p>
@@ -865,7 +870,7 @@
           <a:p>
             <a:fld id="{031CF770-2354-4E02-B7E5-C39564888AD7}" type="datetimeFigureOut">
               <a:rPr lang="zh-TW" altLang="en-US" smtClean="0"/>
-              <a:t>2024/10/24</a:t>
+              <a:t>2024/11/7</a:t>
             </a:fld>
             <a:endParaRPr lang="zh-TW" altLang="en-US"/>
           </a:p>
@@ -1140,7 +1145,7 @@
           <a:p>
             <a:fld id="{031CF770-2354-4E02-B7E5-C39564888AD7}" type="datetimeFigureOut">
               <a:rPr lang="zh-TW" altLang="en-US" smtClean="0"/>
-              <a:t>2024/10/24</a:t>
+              <a:t>2024/11/7</a:t>
             </a:fld>
             <a:endParaRPr lang="zh-TW" altLang="en-US"/>
           </a:p>
@@ -1405,7 +1410,7 @@
           <a:p>
             <a:fld id="{031CF770-2354-4E02-B7E5-C39564888AD7}" type="datetimeFigureOut">
               <a:rPr lang="zh-TW" altLang="en-US" smtClean="0"/>
-              <a:t>2024/10/24</a:t>
+              <a:t>2024/11/7</a:t>
             </a:fld>
             <a:endParaRPr lang="zh-TW" altLang="en-US"/>
           </a:p>
@@ -1817,7 +1822,7 @@
           <a:p>
             <a:fld id="{031CF770-2354-4E02-B7E5-C39564888AD7}" type="datetimeFigureOut">
               <a:rPr lang="zh-TW" altLang="en-US" smtClean="0"/>
-              <a:t>2024/10/24</a:t>
+              <a:t>2024/11/7</a:t>
             </a:fld>
             <a:endParaRPr lang="zh-TW" altLang="en-US"/>
           </a:p>
@@ -1958,7 +1963,7 @@
           <a:p>
             <a:fld id="{031CF770-2354-4E02-B7E5-C39564888AD7}" type="datetimeFigureOut">
               <a:rPr lang="zh-TW" altLang="en-US" smtClean="0"/>
-              <a:t>2024/10/24</a:t>
+              <a:t>2024/11/7</a:t>
             </a:fld>
             <a:endParaRPr lang="zh-TW" altLang="en-US"/>
           </a:p>
@@ -2071,7 +2076,7 @@
           <a:p>
             <a:fld id="{031CF770-2354-4E02-B7E5-C39564888AD7}" type="datetimeFigureOut">
               <a:rPr lang="zh-TW" altLang="en-US" smtClean="0"/>
-              <a:t>2024/10/24</a:t>
+              <a:t>2024/11/7</a:t>
             </a:fld>
             <a:endParaRPr lang="zh-TW" altLang="en-US"/>
           </a:p>
@@ -2382,7 +2387,7 @@
           <a:p>
             <a:fld id="{031CF770-2354-4E02-B7E5-C39564888AD7}" type="datetimeFigureOut">
               <a:rPr lang="zh-TW" altLang="en-US" smtClean="0"/>
-              <a:t>2024/10/24</a:t>
+              <a:t>2024/11/7</a:t>
             </a:fld>
             <a:endParaRPr lang="zh-TW" altLang="en-US"/>
           </a:p>
@@ -2670,7 +2675,7 @@
           <a:p>
             <a:fld id="{031CF770-2354-4E02-B7E5-C39564888AD7}" type="datetimeFigureOut">
               <a:rPr lang="zh-TW" altLang="en-US" smtClean="0"/>
-              <a:t>2024/10/24</a:t>
+              <a:t>2024/11/7</a:t>
             </a:fld>
             <a:endParaRPr lang="zh-TW" altLang="en-US"/>
           </a:p>
@@ -2911,7 +2916,7 @@
           <a:p>
             <a:fld id="{031CF770-2354-4E02-B7E5-C39564888AD7}" type="datetimeFigureOut">
               <a:rPr lang="zh-TW" altLang="en-US" smtClean="0"/>
-              <a:t>2024/10/24</a:t>
+              <a:t>2024/11/7</a:t>
             </a:fld>
             <a:endParaRPr lang="zh-TW" altLang="en-US"/>
           </a:p>
@@ -3552,6 +3557,1358 @@
 </p:sld>
 </file>
 
+<file path=ppt/slides/slide4.xml><?xml version="1.0" encoding="utf-8"?>
+<p:sld xmlns:a="http://schemas.openxmlformats.org/drawingml/2006/main" xmlns:r="http://schemas.openxmlformats.org/officeDocument/2006/relationships" xmlns:p="http://schemas.openxmlformats.org/presentationml/2006/main">
+  <p:cSld>
+    <p:spTree>
+      <p:nvGrpSpPr>
+        <p:cNvPr id="1" name=""/>
+        <p:cNvGrpSpPr/>
+        <p:nvPr/>
+      </p:nvGrpSpPr>
+      <p:grpSpPr>
+        <a:xfrm>
+          <a:off x="0" y="0"/>
+          <a:ext cx="0" cy="0"/>
+          <a:chOff x="0" y="0"/>
+          <a:chExt cx="0" cy="0"/>
+        </a:xfrm>
+      </p:grpSpPr>
+      <p:sp>
+        <p:nvSpPr>
+          <p:cNvPr id="2" name="標題 1">
+            <a:extLst>
+              <a:ext uri="{FF2B5EF4-FFF2-40B4-BE49-F238E27FC236}">
+                <a16:creationId xmlns:a16="http://schemas.microsoft.com/office/drawing/2014/main" id="{A617898C-4F79-4AC4-8EC0-0FF4129A6BBD}"/>
+              </a:ext>
+            </a:extLst>
+          </p:cNvPr>
+          <p:cNvSpPr>
+            <a:spLocks noGrp="1"/>
+          </p:cNvSpPr>
+          <p:nvPr>
+            <p:ph type="title"/>
+          </p:nvPr>
+        </p:nvSpPr>
+        <p:spPr/>
+        <p:txBody>
+          <a:bodyPr/>
+          <a:lstStyle/>
+          <a:p>
+            <a:r>
+              <a:rPr lang="en-US" altLang="zh-TW" dirty="0">
+                <a:latin typeface="標楷體" panose="03000509000000000000" pitchFamily="65" charset="-120"/>
+                <a:ea typeface="標楷體" panose="03000509000000000000" pitchFamily="65" charset="-120"/>
+              </a:rPr>
+              <a:t>API</a:t>
+            </a:r>
+            <a:br>
+              <a:rPr lang="en-US" altLang="zh-TW" dirty="0">
+                <a:latin typeface="標楷體" panose="03000509000000000000" pitchFamily="65" charset="-120"/>
+                <a:ea typeface="標楷體" panose="03000509000000000000" pitchFamily="65" charset="-120"/>
+              </a:rPr>
+            </a:br>
+            <a:r>
+              <a:rPr lang="zh-TW" altLang="en-US" sz="2800" dirty="0">
+                <a:latin typeface="標楷體" panose="03000509000000000000" pitchFamily="65" charset="-120"/>
+                <a:ea typeface="標楷體" panose="03000509000000000000" pitchFamily="65" charset="-120"/>
+              </a:rPr>
+              <a:t>前處理</a:t>
+            </a:r>
+          </a:p>
+        </p:txBody>
+      </p:sp>
+      <p:graphicFrame>
+        <p:nvGraphicFramePr>
+          <p:cNvPr id="4" name="內容版面配置區 3">
+            <a:extLst>
+              <a:ext uri="{FF2B5EF4-FFF2-40B4-BE49-F238E27FC236}">
+                <a16:creationId xmlns:a16="http://schemas.microsoft.com/office/drawing/2014/main" id="{6647CD17-39DF-4601-A07C-4B1059525413}"/>
+              </a:ext>
+            </a:extLst>
+          </p:cNvPr>
+          <p:cNvGraphicFramePr>
+            <a:graphicFrameLocks noGrp="1"/>
+          </p:cNvGraphicFramePr>
+          <p:nvPr>
+            <p:ph idx="1"/>
+            <p:extLst>
+              <p:ext uri="{D42A27DB-BD31-4B8C-83A1-F6EECF244321}">
+                <p14:modId xmlns:p14="http://schemas.microsoft.com/office/powerpoint/2010/main" val="3666893824"/>
+              </p:ext>
+            </p:extLst>
+          </p:nvPr>
+        </p:nvGraphicFramePr>
+        <p:xfrm>
+          <a:off x="838200" y="2660512"/>
+          <a:ext cx="10515600" cy="1672950"/>
+        </p:xfrm>
+        <a:graphic>
+          <a:graphicData uri="http://schemas.openxmlformats.org/drawingml/2006/table">
+            <a:tbl>
+              <a:tblPr firstRow="1" bandRow="1">
+                <a:tableStyleId>{5C22544A-7EE6-4342-B048-85BDC9FD1C3A}</a:tableStyleId>
+              </a:tblPr>
+              <a:tblGrid>
+                <a:gridCol w="1388165">
+                  <a:extLst>
+                    <a:ext uri="{9D8B030D-6E8A-4147-A177-3AD203B41FA5}">
+                      <a16:colId xmlns:a16="http://schemas.microsoft.com/office/drawing/2014/main" val="3672806784"/>
+                    </a:ext>
+                  </a:extLst>
+                </a:gridCol>
+                <a:gridCol w="9127435">
+                  <a:extLst>
+                    <a:ext uri="{9D8B030D-6E8A-4147-A177-3AD203B41FA5}">
+                      <a16:colId xmlns:a16="http://schemas.microsoft.com/office/drawing/2014/main" val="3224140378"/>
+                    </a:ext>
+                  </a:extLst>
+                </a:gridCol>
+              </a:tblGrid>
+              <a:tr h="557650">
+                <a:tc>
+                  <a:txBody>
+                    <a:bodyPr/>
+                    <a:lstStyle/>
+                    <a:p>
+                      <a:r>
+                        <a:rPr lang="en-US" altLang="zh-TW" dirty="0"/>
+                        <a:t>Input</a:t>
+                      </a:r>
+                      <a:endParaRPr lang="zh-TW" altLang="en-US" dirty="0"/>
+                    </a:p>
+                  </a:txBody>
+                  <a:tcPr/>
+                </a:tc>
+                <a:tc>
+                  <a:txBody>
+                    <a:bodyPr/>
+                    <a:lstStyle/>
+                    <a:p>
+                      <a:r>
+                        <a:rPr lang="en-US" altLang="zh-TW" dirty="0"/>
+                        <a:t>Original Image(</a:t>
+                      </a:r>
+                      <a:r>
+                        <a:rPr lang="zh-TW" altLang="en-US" dirty="0"/>
+                        <a:t>原始圖片</a:t>
+                      </a:r>
+                      <a:r>
+                        <a:rPr lang="en-US" altLang="zh-TW" dirty="0"/>
+                        <a:t>)</a:t>
+                      </a:r>
+                      <a:endParaRPr lang="zh-TW" altLang="en-US" dirty="0"/>
+                    </a:p>
+                  </a:txBody>
+                  <a:tcPr/>
+                </a:tc>
+                <a:extLst>
+                  <a:ext uri="{0D108BD9-81ED-4DB2-BD59-A6C34878D82A}">
+                    <a16:rowId xmlns:a16="http://schemas.microsoft.com/office/drawing/2014/main" val="3197674006"/>
+                  </a:ext>
+                </a:extLst>
+              </a:tr>
+              <a:tr h="557650">
+                <a:tc>
+                  <a:txBody>
+                    <a:bodyPr/>
+                    <a:lstStyle/>
+                    <a:p>
+                      <a:r>
+                        <a:rPr lang="en-US" altLang="zh-TW" dirty="0"/>
+                        <a:t>Output</a:t>
+                      </a:r>
+                      <a:endParaRPr lang="zh-TW" altLang="en-US" dirty="0"/>
+                    </a:p>
+                  </a:txBody>
+                  <a:tcPr/>
+                </a:tc>
+                <a:tc>
+                  <a:txBody>
+                    <a:bodyPr/>
+                    <a:lstStyle/>
+                    <a:p>
+                      <a:r>
+                        <a:rPr lang="en-US" altLang="zh-TW" dirty="0" err="1"/>
+                        <a:t>Gray_image</a:t>
+                      </a:r>
+                      <a:r>
+                        <a:rPr lang="en-US" altLang="zh-TW" dirty="0"/>
+                        <a:t>(</a:t>
+                      </a:r>
+                      <a:r>
+                        <a:rPr lang="zh-TW" altLang="en-US" dirty="0"/>
+                        <a:t>灰階圖片</a:t>
+                      </a:r>
+                      <a:r>
+                        <a:rPr lang="en-US" altLang="zh-TW" dirty="0"/>
+                        <a:t>) </a:t>
+                      </a:r>
+                      <a:r>
+                        <a:rPr lang="zh-TW" altLang="en-US" dirty="0"/>
+                        <a:t>，</a:t>
+                      </a:r>
+                      <a:r>
+                        <a:rPr lang="en-US" altLang="zh-TW" dirty="0" err="1"/>
+                        <a:t>HSV_Image</a:t>
+                      </a:r>
+                      <a:r>
+                        <a:rPr lang="en-US" altLang="zh-TW" dirty="0"/>
+                        <a:t>(HSV</a:t>
+                      </a:r>
+                      <a:r>
+                        <a:rPr lang="zh-TW" altLang="en-US" dirty="0"/>
+                        <a:t>圖片</a:t>
+                      </a:r>
+                      <a:r>
+                        <a:rPr lang="en-US" altLang="zh-TW" dirty="0"/>
+                        <a:t>)</a:t>
+                      </a:r>
+                      <a:r>
+                        <a:rPr lang="zh-TW" altLang="en-US" dirty="0"/>
+                        <a:t>　</a:t>
+                      </a:r>
+                    </a:p>
+                  </a:txBody>
+                  <a:tcPr/>
+                </a:tc>
+                <a:extLst>
+                  <a:ext uri="{0D108BD9-81ED-4DB2-BD59-A6C34878D82A}">
+                    <a16:rowId xmlns:a16="http://schemas.microsoft.com/office/drawing/2014/main" val="159595901"/>
+                  </a:ext>
+                </a:extLst>
+              </a:tr>
+              <a:tr h="557650">
+                <a:tc>
+                  <a:txBody>
+                    <a:bodyPr/>
+                    <a:lstStyle/>
+                    <a:p>
+                      <a:r>
+                        <a:rPr lang="en-US" altLang="zh-TW" dirty="0"/>
+                        <a:t>Function</a:t>
+                      </a:r>
+                      <a:endParaRPr lang="zh-TW" altLang="en-US" dirty="0"/>
+                    </a:p>
+                  </a:txBody>
+                  <a:tcPr/>
+                </a:tc>
+                <a:tc>
+                  <a:txBody>
+                    <a:bodyPr/>
+                    <a:lstStyle/>
+                    <a:p>
+                      <a:r>
+                        <a:rPr lang="en-US" altLang="zh-TW" dirty="0"/>
+                        <a:t>cv2.cvtColor(BGR2GRAY </a:t>
+                      </a:r>
+                      <a:r>
+                        <a:rPr lang="zh-TW" altLang="en-US" dirty="0"/>
+                        <a:t>，</a:t>
+                      </a:r>
+                      <a:r>
+                        <a:rPr lang="en-US" altLang="zh-TW" dirty="0"/>
+                        <a:t>BGR2HSV)</a:t>
+                      </a:r>
+                      <a:endParaRPr lang="zh-TW" altLang="en-US" dirty="0"/>
+                    </a:p>
+                  </a:txBody>
+                  <a:tcPr/>
+                </a:tc>
+                <a:extLst>
+                  <a:ext uri="{0D108BD9-81ED-4DB2-BD59-A6C34878D82A}">
+                    <a16:rowId xmlns:a16="http://schemas.microsoft.com/office/drawing/2014/main" val="1352399962"/>
+                  </a:ext>
+                </a:extLst>
+              </a:tr>
+            </a:tbl>
+          </a:graphicData>
+        </a:graphic>
+      </p:graphicFrame>
+    </p:spTree>
+    <p:extLst>
+      <p:ext uri="{BB962C8B-B14F-4D97-AF65-F5344CB8AC3E}">
+        <p14:creationId xmlns:p14="http://schemas.microsoft.com/office/powerpoint/2010/main" val="3307507990"/>
+      </p:ext>
+    </p:extLst>
+  </p:cSld>
+  <p:clrMapOvr>
+    <a:masterClrMapping/>
+  </p:clrMapOvr>
+</p:sld>
+</file>
+
+<file path=ppt/slides/slide5.xml><?xml version="1.0" encoding="utf-8"?>
+<p:sld xmlns:a="http://schemas.openxmlformats.org/drawingml/2006/main" xmlns:r="http://schemas.openxmlformats.org/officeDocument/2006/relationships" xmlns:p="http://schemas.openxmlformats.org/presentationml/2006/main">
+  <p:cSld>
+    <p:spTree>
+      <p:nvGrpSpPr>
+        <p:cNvPr id="1" name=""/>
+        <p:cNvGrpSpPr/>
+        <p:nvPr/>
+      </p:nvGrpSpPr>
+      <p:grpSpPr>
+        <a:xfrm>
+          <a:off x="0" y="0"/>
+          <a:ext cx="0" cy="0"/>
+          <a:chOff x="0" y="0"/>
+          <a:chExt cx="0" cy="0"/>
+        </a:xfrm>
+      </p:grpSpPr>
+      <p:sp>
+        <p:nvSpPr>
+          <p:cNvPr id="2" name="標題 1">
+            <a:extLst>
+              <a:ext uri="{FF2B5EF4-FFF2-40B4-BE49-F238E27FC236}">
+                <a16:creationId xmlns:a16="http://schemas.microsoft.com/office/drawing/2014/main" id="{A617898C-4F79-4AC4-8EC0-0FF4129A6BBD}"/>
+              </a:ext>
+            </a:extLst>
+          </p:cNvPr>
+          <p:cNvSpPr>
+            <a:spLocks noGrp="1"/>
+          </p:cNvSpPr>
+          <p:nvPr>
+            <p:ph type="title"/>
+          </p:nvPr>
+        </p:nvSpPr>
+        <p:spPr/>
+        <p:txBody>
+          <a:bodyPr/>
+          <a:lstStyle/>
+          <a:p>
+            <a:r>
+              <a:rPr lang="en-US" altLang="zh-TW" dirty="0">
+                <a:latin typeface="標楷體" panose="03000509000000000000" pitchFamily="65" charset="-120"/>
+                <a:ea typeface="標楷體" panose="03000509000000000000" pitchFamily="65" charset="-120"/>
+              </a:rPr>
+              <a:t>API</a:t>
+            </a:r>
+            <a:br>
+              <a:rPr lang="en-US" altLang="zh-TW" dirty="0">
+                <a:latin typeface="標楷體" panose="03000509000000000000" pitchFamily="65" charset="-120"/>
+                <a:ea typeface="標楷體" panose="03000509000000000000" pitchFamily="65" charset="-120"/>
+              </a:rPr>
+            </a:br>
+            <a:r>
+              <a:rPr lang="en-US" altLang="zh-TW" sz="2800" dirty="0">
+                <a:latin typeface="標楷體" panose="03000509000000000000" pitchFamily="65" charset="-120"/>
+                <a:ea typeface="標楷體" panose="03000509000000000000" pitchFamily="65" charset="-120"/>
+              </a:rPr>
+              <a:t>Sobel</a:t>
+            </a:r>
+            <a:endParaRPr lang="zh-TW" altLang="en-US" sz="2800" dirty="0">
+              <a:latin typeface="標楷體" panose="03000509000000000000" pitchFamily="65" charset="-120"/>
+              <a:ea typeface="標楷體" panose="03000509000000000000" pitchFamily="65" charset="-120"/>
+            </a:endParaRPr>
+          </a:p>
+        </p:txBody>
+      </p:sp>
+      <p:graphicFrame>
+        <p:nvGraphicFramePr>
+          <p:cNvPr id="4" name="內容版面配置區 3">
+            <a:extLst>
+              <a:ext uri="{FF2B5EF4-FFF2-40B4-BE49-F238E27FC236}">
+                <a16:creationId xmlns:a16="http://schemas.microsoft.com/office/drawing/2014/main" id="{45B9BA59-2222-430B-87EB-D9F36090CA32}"/>
+              </a:ext>
+            </a:extLst>
+          </p:cNvPr>
+          <p:cNvGraphicFramePr>
+            <a:graphicFrameLocks/>
+          </p:cNvGraphicFramePr>
+          <p:nvPr>
+            <p:extLst>
+              <p:ext uri="{D42A27DB-BD31-4B8C-83A1-F6EECF244321}">
+                <p14:modId xmlns:p14="http://schemas.microsoft.com/office/powerpoint/2010/main" val="467431541"/>
+              </p:ext>
+            </p:extLst>
+          </p:nvPr>
+        </p:nvGraphicFramePr>
+        <p:xfrm>
+          <a:off x="838200" y="2660512"/>
+          <a:ext cx="10515600" cy="1755380"/>
+        </p:xfrm>
+        <a:graphic>
+          <a:graphicData uri="http://schemas.openxmlformats.org/drawingml/2006/table">
+            <a:tbl>
+              <a:tblPr firstRow="1" bandRow="1">
+                <a:tableStyleId>{5C22544A-7EE6-4342-B048-85BDC9FD1C3A}</a:tableStyleId>
+              </a:tblPr>
+              <a:tblGrid>
+                <a:gridCol w="1388165">
+                  <a:extLst>
+                    <a:ext uri="{9D8B030D-6E8A-4147-A177-3AD203B41FA5}">
+                      <a16:colId xmlns:a16="http://schemas.microsoft.com/office/drawing/2014/main" val="3672806784"/>
+                    </a:ext>
+                  </a:extLst>
+                </a:gridCol>
+                <a:gridCol w="9127435">
+                  <a:extLst>
+                    <a:ext uri="{9D8B030D-6E8A-4147-A177-3AD203B41FA5}">
+                      <a16:colId xmlns:a16="http://schemas.microsoft.com/office/drawing/2014/main" val="3224140378"/>
+                    </a:ext>
+                  </a:extLst>
+                </a:gridCol>
+              </a:tblGrid>
+              <a:tr h="557650">
+                <a:tc>
+                  <a:txBody>
+                    <a:bodyPr/>
+                    <a:lstStyle/>
+                    <a:p>
+                      <a:r>
+                        <a:rPr lang="en-US" altLang="zh-TW" dirty="0"/>
+                        <a:t>Input</a:t>
+                      </a:r>
+                      <a:endParaRPr lang="zh-TW" altLang="en-US" dirty="0"/>
+                    </a:p>
+                  </a:txBody>
+                  <a:tcPr/>
+                </a:tc>
+                <a:tc>
+                  <a:txBody>
+                    <a:bodyPr/>
+                    <a:lstStyle/>
+                    <a:p>
+                      <a:pPr marL="0" marR="0" lvl="0" indent="0" algn="l" defTabSz="914400" rtl="0" eaLnBrk="1" fontAlgn="auto" latinLnBrk="0" hangingPunct="1">
+                        <a:lnSpc>
+                          <a:spcPct val="100000"/>
+                        </a:lnSpc>
+                        <a:spcBef>
+                          <a:spcPts val="0"/>
+                        </a:spcBef>
+                        <a:spcAft>
+                          <a:spcPts val="0"/>
+                        </a:spcAft>
+                        <a:buClrTx/>
+                        <a:buSzTx/>
+                        <a:buFontTx/>
+                        <a:buNone/>
+                        <a:tabLst/>
+                        <a:defRPr/>
+                      </a:pPr>
+                      <a:r>
+                        <a:rPr lang="en-US" altLang="zh-TW" dirty="0" err="1"/>
+                        <a:t>Gray_image</a:t>
+                      </a:r>
+                      <a:r>
+                        <a:rPr lang="en-US" altLang="zh-TW" dirty="0"/>
+                        <a:t>(</a:t>
+                      </a:r>
+                      <a:r>
+                        <a:rPr lang="zh-TW" altLang="en-US" dirty="0"/>
+                        <a:t>灰階圖片</a:t>
+                      </a:r>
+                      <a:r>
+                        <a:rPr lang="en-US" altLang="zh-TW" dirty="0"/>
+                        <a:t>) </a:t>
+                      </a:r>
+                      <a:r>
+                        <a:rPr lang="zh-TW" altLang="en-US" dirty="0"/>
+                        <a:t>，</a:t>
+                      </a:r>
+                      <a:r>
+                        <a:rPr lang="en-US" altLang="zh-TW" dirty="0" err="1"/>
+                        <a:t>HSV_Image</a:t>
+                      </a:r>
+                      <a:r>
+                        <a:rPr lang="en-US" altLang="zh-TW" dirty="0"/>
+                        <a:t>(HSV</a:t>
+                      </a:r>
+                      <a:r>
+                        <a:rPr lang="zh-TW" altLang="en-US" dirty="0"/>
+                        <a:t>圖片</a:t>
+                      </a:r>
+                      <a:r>
+                        <a:rPr lang="en-US" altLang="zh-TW" dirty="0"/>
+                        <a:t>)</a:t>
+                      </a:r>
+                      <a:r>
+                        <a:rPr lang="zh-TW" altLang="en-US" dirty="0"/>
+                        <a:t>　</a:t>
+                      </a:r>
+                    </a:p>
+                    <a:p>
+                      <a:endParaRPr lang="zh-TW" altLang="en-US" dirty="0"/>
+                    </a:p>
+                  </a:txBody>
+                  <a:tcPr/>
+                </a:tc>
+                <a:extLst>
+                  <a:ext uri="{0D108BD9-81ED-4DB2-BD59-A6C34878D82A}">
+                    <a16:rowId xmlns:a16="http://schemas.microsoft.com/office/drawing/2014/main" val="3197674006"/>
+                  </a:ext>
+                </a:extLst>
+              </a:tr>
+              <a:tr h="557650">
+                <a:tc>
+                  <a:txBody>
+                    <a:bodyPr/>
+                    <a:lstStyle/>
+                    <a:p>
+                      <a:r>
+                        <a:rPr lang="en-US" altLang="zh-TW" dirty="0"/>
+                        <a:t>Output</a:t>
+                      </a:r>
+                      <a:endParaRPr lang="zh-TW" altLang="en-US" dirty="0"/>
+                    </a:p>
+                  </a:txBody>
+                  <a:tcPr/>
+                </a:tc>
+                <a:tc>
+                  <a:txBody>
+                    <a:bodyPr/>
+                    <a:lstStyle/>
+                    <a:p>
+                      <a:r>
+                        <a:rPr lang="en-US" altLang="zh-TW" dirty="0" err="1"/>
+                        <a:t>Sobel_Gray_Image</a:t>
+                      </a:r>
+                      <a:r>
+                        <a:rPr lang="zh-TW" altLang="en-US" dirty="0"/>
+                        <a:t>，</a:t>
+                      </a:r>
+                      <a:r>
+                        <a:rPr lang="en-US" altLang="zh-TW" dirty="0" err="1"/>
+                        <a:t>Sobel_HSV_Image</a:t>
+                      </a:r>
+                      <a:endParaRPr lang="zh-TW" altLang="en-US" dirty="0"/>
+                    </a:p>
+                  </a:txBody>
+                  <a:tcPr/>
+                </a:tc>
+                <a:extLst>
+                  <a:ext uri="{0D108BD9-81ED-4DB2-BD59-A6C34878D82A}">
+                    <a16:rowId xmlns:a16="http://schemas.microsoft.com/office/drawing/2014/main" val="159595901"/>
+                  </a:ext>
+                </a:extLst>
+              </a:tr>
+              <a:tr h="557650">
+                <a:tc>
+                  <a:txBody>
+                    <a:bodyPr/>
+                    <a:lstStyle/>
+                    <a:p>
+                      <a:r>
+                        <a:rPr lang="en-US" altLang="zh-TW" dirty="0"/>
+                        <a:t>Function</a:t>
+                      </a:r>
+                      <a:endParaRPr lang="zh-TW" altLang="en-US" dirty="0"/>
+                    </a:p>
+                  </a:txBody>
+                  <a:tcPr/>
+                </a:tc>
+                <a:tc>
+                  <a:txBody>
+                    <a:bodyPr/>
+                    <a:lstStyle/>
+                    <a:p>
+                      <a:r>
+                        <a:rPr lang="en-US" altLang="zh-TW" dirty="0"/>
+                        <a:t>cv2.Sobel</a:t>
+                      </a:r>
+                      <a:endParaRPr lang="zh-TW" altLang="en-US" dirty="0"/>
+                    </a:p>
+                  </a:txBody>
+                  <a:tcPr/>
+                </a:tc>
+                <a:extLst>
+                  <a:ext uri="{0D108BD9-81ED-4DB2-BD59-A6C34878D82A}">
+                    <a16:rowId xmlns:a16="http://schemas.microsoft.com/office/drawing/2014/main" val="1352399962"/>
+                  </a:ext>
+                </a:extLst>
+              </a:tr>
+            </a:tbl>
+          </a:graphicData>
+        </a:graphic>
+      </p:graphicFrame>
+    </p:spTree>
+    <p:extLst>
+      <p:ext uri="{BB962C8B-B14F-4D97-AF65-F5344CB8AC3E}">
+        <p14:creationId xmlns:p14="http://schemas.microsoft.com/office/powerpoint/2010/main" val="4087816931"/>
+      </p:ext>
+    </p:extLst>
+  </p:cSld>
+  <p:clrMapOvr>
+    <a:masterClrMapping/>
+  </p:clrMapOvr>
+</p:sld>
+</file>
+
+<file path=ppt/slides/slide6.xml><?xml version="1.0" encoding="utf-8"?>
+<p:sld xmlns:a="http://schemas.openxmlformats.org/drawingml/2006/main" xmlns:r="http://schemas.openxmlformats.org/officeDocument/2006/relationships" xmlns:p="http://schemas.openxmlformats.org/presentationml/2006/main">
+  <p:cSld>
+    <p:spTree>
+      <p:nvGrpSpPr>
+        <p:cNvPr id="1" name=""/>
+        <p:cNvGrpSpPr/>
+        <p:nvPr/>
+      </p:nvGrpSpPr>
+      <p:grpSpPr>
+        <a:xfrm>
+          <a:off x="0" y="0"/>
+          <a:ext cx="0" cy="0"/>
+          <a:chOff x="0" y="0"/>
+          <a:chExt cx="0" cy="0"/>
+        </a:xfrm>
+      </p:grpSpPr>
+      <p:sp>
+        <p:nvSpPr>
+          <p:cNvPr id="2" name="標題 1">
+            <a:extLst>
+              <a:ext uri="{FF2B5EF4-FFF2-40B4-BE49-F238E27FC236}">
+                <a16:creationId xmlns:a16="http://schemas.microsoft.com/office/drawing/2014/main" id="{A617898C-4F79-4AC4-8EC0-0FF4129A6BBD}"/>
+              </a:ext>
+            </a:extLst>
+          </p:cNvPr>
+          <p:cNvSpPr>
+            <a:spLocks noGrp="1"/>
+          </p:cNvSpPr>
+          <p:nvPr>
+            <p:ph type="title"/>
+          </p:nvPr>
+        </p:nvSpPr>
+        <p:spPr/>
+        <p:txBody>
+          <a:bodyPr/>
+          <a:lstStyle/>
+          <a:p>
+            <a:r>
+              <a:rPr lang="en-US" altLang="zh-TW" dirty="0">
+                <a:latin typeface="標楷體" panose="03000509000000000000" pitchFamily="65" charset="-120"/>
+                <a:ea typeface="標楷體" panose="03000509000000000000" pitchFamily="65" charset="-120"/>
+              </a:rPr>
+              <a:t>API</a:t>
+            </a:r>
+            <a:br>
+              <a:rPr lang="en-US" altLang="zh-TW" dirty="0">
+                <a:latin typeface="標楷體" panose="03000509000000000000" pitchFamily="65" charset="-120"/>
+                <a:ea typeface="標楷體" panose="03000509000000000000" pitchFamily="65" charset="-120"/>
+              </a:rPr>
+            </a:br>
+            <a:r>
+              <a:rPr lang="en-US" altLang="zh-TW" sz="2800" dirty="0">
+                <a:latin typeface="標楷體" panose="03000509000000000000" pitchFamily="65" charset="-120"/>
+                <a:ea typeface="標楷體" panose="03000509000000000000" pitchFamily="65" charset="-120"/>
+              </a:rPr>
+              <a:t>LBP</a:t>
+            </a:r>
+            <a:endParaRPr lang="zh-TW" altLang="en-US" sz="2800" dirty="0">
+              <a:latin typeface="標楷體" panose="03000509000000000000" pitchFamily="65" charset="-120"/>
+              <a:ea typeface="標楷體" panose="03000509000000000000" pitchFamily="65" charset="-120"/>
+            </a:endParaRPr>
+          </a:p>
+        </p:txBody>
+      </p:sp>
+      <p:graphicFrame>
+        <p:nvGraphicFramePr>
+          <p:cNvPr id="4" name="內容版面配置區 3">
+            <a:extLst>
+              <a:ext uri="{FF2B5EF4-FFF2-40B4-BE49-F238E27FC236}">
+                <a16:creationId xmlns:a16="http://schemas.microsoft.com/office/drawing/2014/main" id="{C6B26C76-54C3-440B-BB5A-017896455DFE}"/>
+              </a:ext>
+            </a:extLst>
+          </p:cNvPr>
+          <p:cNvGraphicFramePr>
+            <a:graphicFrameLocks noGrp="1"/>
+          </p:cNvGraphicFramePr>
+          <p:nvPr>
+            <p:ph idx="1"/>
+            <p:extLst>
+              <p:ext uri="{D42A27DB-BD31-4B8C-83A1-F6EECF244321}">
+                <p14:modId xmlns:p14="http://schemas.microsoft.com/office/powerpoint/2010/main" val="3138859615"/>
+              </p:ext>
+            </p:extLst>
+          </p:nvPr>
+        </p:nvGraphicFramePr>
+        <p:xfrm>
+          <a:off x="838200" y="2912303"/>
+          <a:ext cx="10515600" cy="1672950"/>
+        </p:xfrm>
+        <a:graphic>
+          <a:graphicData uri="http://schemas.openxmlformats.org/drawingml/2006/table">
+            <a:tbl>
+              <a:tblPr firstRow="1" bandRow="1">
+                <a:tableStyleId>{5C22544A-7EE6-4342-B048-85BDC9FD1C3A}</a:tableStyleId>
+              </a:tblPr>
+              <a:tblGrid>
+                <a:gridCol w="1388165">
+                  <a:extLst>
+                    <a:ext uri="{9D8B030D-6E8A-4147-A177-3AD203B41FA5}">
+                      <a16:colId xmlns:a16="http://schemas.microsoft.com/office/drawing/2014/main" val="3672806784"/>
+                    </a:ext>
+                  </a:extLst>
+                </a:gridCol>
+                <a:gridCol w="9127435">
+                  <a:extLst>
+                    <a:ext uri="{9D8B030D-6E8A-4147-A177-3AD203B41FA5}">
+                      <a16:colId xmlns:a16="http://schemas.microsoft.com/office/drawing/2014/main" val="3224140378"/>
+                    </a:ext>
+                  </a:extLst>
+                </a:gridCol>
+              </a:tblGrid>
+              <a:tr h="557650">
+                <a:tc>
+                  <a:txBody>
+                    <a:bodyPr/>
+                    <a:lstStyle/>
+                    <a:p>
+                      <a:r>
+                        <a:rPr lang="en-US" altLang="zh-TW" dirty="0"/>
+                        <a:t>Input</a:t>
+                      </a:r>
+                      <a:endParaRPr lang="zh-TW" altLang="en-US" dirty="0"/>
+                    </a:p>
+                  </a:txBody>
+                  <a:tcPr/>
+                </a:tc>
+                <a:tc>
+                  <a:txBody>
+                    <a:bodyPr/>
+                    <a:lstStyle/>
+                    <a:p>
+                      <a:r>
+                        <a:rPr lang="en-US" altLang="zh-TW" dirty="0" err="1"/>
+                        <a:t>Sobel_Gray_Image</a:t>
+                      </a:r>
+                      <a:r>
+                        <a:rPr lang="zh-TW" altLang="en-US" dirty="0"/>
+                        <a:t>，</a:t>
+                      </a:r>
+                      <a:r>
+                        <a:rPr lang="en-US" altLang="zh-TW" dirty="0" err="1"/>
+                        <a:t>Sobel_HSV_Image</a:t>
+                      </a:r>
+                      <a:endParaRPr lang="zh-TW" altLang="en-US" dirty="0"/>
+                    </a:p>
+                  </a:txBody>
+                  <a:tcPr/>
+                </a:tc>
+                <a:extLst>
+                  <a:ext uri="{0D108BD9-81ED-4DB2-BD59-A6C34878D82A}">
+                    <a16:rowId xmlns:a16="http://schemas.microsoft.com/office/drawing/2014/main" val="3197674006"/>
+                  </a:ext>
+                </a:extLst>
+              </a:tr>
+              <a:tr h="557650">
+                <a:tc>
+                  <a:txBody>
+                    <a:bodyPr/>
+                    <a:lstStyle/>
+                    <a:p>
+                      <a:r>
+                        <a:rPr lang="en-US" altLang="zh-TW" dirty="0"/>
+                        <a:t>Output</a:t>
+                      </a:r>
+                      <a:endParaRPr lang="zh-TW" altLang="en-US" dirty="0"/>
+                    </a:p>
+                  </a:txBody>
+                  <a:tcPr/>
+                </a:tc>
+                <a:tc>
+                  <a:txBody>
+                    <a:bodyPr/>
+                    <a:lstStyle/>
+                    <a:p>
+                      <a:r>
+                        <a:rPr lang="en-US" altLang="zh-TW" dirty="0" err="1"/>
+                        <a:t>LBP_Image</a:t>
+                      </a:r>
+                      <a:endParaRPr lang="zh-TW" altLang="en-US" dirty="0"/>
+                    </a:p>
+                  </a:txBody>
+                  <a:tcPr/>
+                </a:tc>
+                <a:extLst>
+                  <a:ext uri="{0D108BD9-81ED-4DB2-BD59-A6C34878D82A}">
+                    <a16:rowId xmlns:a16="http://schemas.microsoft.com/office/drawing/2014/main" val="159595901"/>
+                  </a:ext>
+                </a:extLst>
+              </a:tr>
+              <a:tr h="557650">
+                <a:tc>
+                  <a:txBody>
+                    <a:bodyPr/>
+                    <a:lstStyle/>
+                    <a:p>
+                      <a:r>
+                        <a:rPr lang="en-US" altLang="zh-TW" dirty="0"/>
+                        <a:t>Function</a:t>
+                      </a:r>
+                      <a:endParaRPr lang="zh-TW" altLang="en-US" dirty="0"/>
+                    </a:p>
+                  </a:txBody>
+                  <a:tcPr/>
+                </a:tc>
+                <a:tc>
+                  <a:txBody>
+                    <a:bodyPr/>
+                    <a:lstStyle/>
+                    <a:p>
+                      <a:r>
+                        <a:rPr lang="en-US" altLang="zh-TW" dirty="0" err="1"/>
+                        <a:t>local_binary_pattern</a:t>
+                      </a:r>
+                      <a:endParaRPr lang="zh-TW" altLang="en-US" dirty="0"/>
+                    </a:p>
+                  </a:txBody>
+                  <a:tcPr/>
+                </a:tc>
+                <a:extLst>
+                  <a:ext uri="{0D108BD9-81ED-4DB2-BD59-A6C34878D82A}">
+                    <a16:rowId xmlns:a16="http://schemas.microsoft.com/office/drawing/2014/main" val="1352399962"/>
+                  </a:ext>
+                </a:extLst>
+              </a:tr>
+            </a:tbl>
+          </a:graphicData>
+        </a:graphic>
+      </p:graphicFrame>
+    </p:spTree>
+    <p:extLst>
+      <p:ext uri="{BB962C8B-B14F-4D97-AF65-F5344CB8AC3E}">
+        <p14:creationId xmlns:p14="http://schemas.microsoft.com/office/powerpoint/2010/main" val="3407450067"/>
+      </p:ext>
+    </p:extLst>
+  </p:cSld>
+  <p:clrMapOvr>
+    <a:masterClrMapping/>
+  </p:clrMapOvr>
+</p:sld>
+</file>
+
+<file path=ppt/slides/slide7.xml><?xml version="1.0" encoding="utf-8"?>
+<p:sld xmlns:a="http://schemas.openxmlformats.org/drawingml/2006/main" xmlns:r="http://schemas.openxmlformats.org/officeDocument/2006/relationships" xmlns:p="http://schemas.openxmlformats.org/presentationml/2006/main">
+  <p:cSld>
+    <p:spTree>
+      <p:nvGrpSpPr>
+        <p:cNvPr id="1" name=""/>
+        <p:cNvGrpSpPr/>
+        <p:nvPr/>
+      </p:nvGrpSpPr>
+      <p:grpSpPr>
+        <a:xfrm>
+          <a:off x="0" y="0"/>
+          <a:ext cx="0" cy="0"/>
+          <a:chOff x="0" y="0"/>
+          <a:chExt cx="0" cy="0"/>
+        </a:xfrm>
+      </p:grpSpPr>
+      <p:sp>
+        <p:nvSpPr>
+          <p:cNvPr id="2" name="標題 1">
+            <a:extLst>
+              <a:ext uri="{FF2B5EF4-FFF2-40B4-BE49-F238E27FC236}">
+                <a16:creationId xmlns:a16="http://schemas.microsoft.com/office/drawing/2014/main" id="{A617898C-4F79-4AC4-8EC0-0FF4129A6BBD}"/>
+              </a:ext>
+            </a:extLst>
+          </p:cNvPr>
+          <p:cNvSpPr>
+            <a:spLocks noGrp="1"/>
+          </p:cNvSpPr>
+          <p:nvPr>
+            <p:ph type="title"/>
+          </p:nvPr>
+        </p:nvSpPr>
+        <p:spPr/>
+        <p:txBody>
+          <a:bodyPr/>
+          <a:lstStyle/>
+          <a:p>
+            <a:r>
+              <a:rPr lang="en-US" altLang="zh-TW" dirty="0">
+                <a:latin typeface="標楷體" panose="03000509000000000000" pitchFamily="65" charset="-120"/>
+                <a:ea typeface="標楷體" panose="03000509000000000000" pitchFamily="65" charset="-120"/>
+              </a:rPr>
+              <a:t>API</a:t>
+            </a:r>
+            <a:br>
+              <a:rPr lang="en-US" altLang="zh-TW" dirty="0">
+                <a:latin typeface="標楷體" panose="03000509000000000000" pitchFamily="65" charset="-120"/>
+                <a:ea typeface="標楷體" panose="03000509000000000000" pitchFamily="65" charset="-120"/>
+              </a:rPr>
+            </a:br>
+            <a:r>
+              <a:rPr lang="en-US" altLang="zh-TW" sz="2800" dirty="0">
+                <a:latin typeface="標楷體" panose="03000509000000000000" pitchFamily="65" charset="-120"/>
+                <a:ea typeface="標楷體" panose="03000509000000000000" pitchFamily="65" charset="-120"/>
+              </a:rPr>
+              <a:t>Find color range</a:t>
+            </a:r>
+            <a:endParaRPr lang="zh-TW" altLang="en-US" sz="2800" dirty="0">
+              <a:latin typeface="標楷體" panose="03000509000000000000" pitchFamily="65" charset="-120"/>
+              <a:ea typeface="標楷體" panose="03000509000000000000" pitchFamily="65" charset="-120"/>
+            </a:endParaRPr>
+          </a:p>
+        </p:txBody>
+      </p:sp>
+      <p:graphicFrame>
+        <p:nvGraphicFramePr>
+          <p:cNvPr id="4" name="內容版面配置區 3">
+            <a:extLst>
+              <a:ext uri="{FF2B5EF4-FFF2-40B4-BE49-F238E27FC236}">
+                <a16:creationId xmlns:a16="http://schemas.microsoft.com/office/drawing/2014/main" id="{C6B26C76-54C3-440B-BB5A-017896455DFE}"/>
+              </a:ext>
+            </a:extLst>
+          </p:cNvPr>
+          <p:cNvGraphicFramePr>
+            <a:graphicFrameLocks noGrp="1"/>
+          </p:cNvGraphicFramePr>
+          <p:nvPr>
+            <p:ph idx="1"/>
+            <p:extLst>
+              <p:ext uri="{D42A27DB-BD31-4B8C-83A1-F6EECF244321}">
+                <p14:modId xmlns:p14="http://schemas.microsoft.com/office/powerpoint/2010/main" val="3013265257"/>
+              </p:ext>
+            </p:extLst>
+          </p:nvPr>
+        </p:nvGraphicFramePr>
+        <p:xfrm>
+          <a:off x="838200" y="2912303"/>
+          <a:ext cx="10515600" cy="1755380"/>
+        </p:xfrm>
+        <a:graphic>
+          <a:graphicData uri="http://schemas.openxmlformats.org/drawingml/2006/table">
+            <a:tbl>
+              <a:tblPr firstRow="1" bandRow="1">
+                <a:tableStyleId>{5C22544A-7EE6-4342-B048-85BDC9FD1C3A}</a:tableStyleId>
+              </a:tblPr>
+              <a:tblGrid>
+                <a:gridCol w="1388165">
+                  <a:extLst>
+                    <a:ext uri="{9D8B030D-6E8A-4147-A177-3AD203B41FA5}">
+                      <a16:colId xmlns:a16="http://schemas.microsoft.com/office/drawing/2014/main" val="3672806784"/>
+                    </a:ext>
+                  </a:extLst>
+                </a:gridCol>
+                <a:gridCol w="9127435">
+                  <a:extLst>
+                    <a:ext uri="{9D8B030D-6E8A-4147-A177-3AD203B41FA5}">
+                      <a16:colId xmlns:a16="http://schemas.microsoft.com/office/drawing/2014/main" val="3224140378"/>
+                    </a:ext>
+                  </a:extLst>
+                </a:gridCol>
+              </a:tblGrid>
+              <a:tr h="557650">
+                <a:tc>
+                  <a:txBody>
+                    <a:bodyPr/>
+                    <a:lstStyle/>
+                    <a:p>
+                      <a:r>
+                        <a:rPr lang="en-US" altLang="zh-TW" dirty="0"/>
+                        <a:t>Input</a:t>
+                      </a:r>
+                      <a:endParaRPr lang="zh-TW" altLang="en-US" dirty="0"/>
+                    </a:p>
+                  </a:txBody>
+                  <a:tcPr/>
+                </a:tc>
+                <a:tc>
+                  <a:txBody>
+                    <a:bodyPr/>
+                    <a:lstStyle/>
+                    <a:p>
+                      <a:r>
+                        <a:rPr lang="en-US" altLang="zh-TW" dirty="0"/>
+                        <a:t>Original Image(</a:t>
+                      </a:r>
+                      <a:r>
+                        <a:rPr lang="zh-TW" altLang="en-US" dirty="0"/>
+                        <a:t>原始圖片</a:t>
+                      </a:r>
+                      <a:r>
+                        <a:rPr lang="en-US" altLang="zh-TW" dirty="0"/>
+                        <a:t>) </a:t>
+                      </a:r>
+                      <a:r>
+                        <a:rPr lang="zh-TW" altLang="en-US" dirty="0"/>
+                        <a:t>，</a:t>
+                      </a:r>
+                      <a:r>
+                        <a:rPr lang="en-US" altLang="zh-TW" dirty="0" err="1"/>
+                        <a:t>Sobel_Gray_Image</a:t>
+                      </a:r>
+                      <a:r>
+                        <a:rPr lang="zh-TW" altLang="en-US" dirty="0"/>
+                        <a:t>，</a:t>
+                      </a:r>
+                      <a:r>
+                        <a:rPr lang="en-US" altLang="zh-TW" dirty="0" err="1"/>
+                        <a:t>Sobel_HSV_Image</a:t>
+                      </a:r>
+                      <a:endParaRPr lang="zh-TW" altLang="en-US" dirty="0"/>
+                    </a:p>
+                    <a:p>
+                      <a:endParaRPr lang="zh-TW" altLang="en-US" dirty="0"/>
+                    </a:p>
+                  </a:txBody>
+                  <a:tcPr/>
+                </a:tc>
+                <a:extLst>
+                  <a:ext uri="{0D108BD9-81ED-4DB2-BD59-A6C34878D82A}">
+                    <a16:rowId xmlns:a16="http://schemas.microsoft.com/office/drawing/2014/main" val="3197674006"/>
+                  </a:ext>
+                </a:extLst>
+              </a:tr>
+              <a:tr h="557650">
+                <a:tc>
+                  <a:txBody>
+                    <a:bodyPr/>
+                    <a:lstStyle/>
+                    <a:p>
+                      <a:r>
+                        <a:rPr lang="en-US" altLang="zh-TW" dirty="0"/>
+                        <a:t>Output</a:t>
+                      </a:r>
+                      <a:endParaRPr lang="zh-TW" altLang="en-US" dirty="0"/>
+                    </a:p>
+                  </a:txBody>
+                  <a:tcPr/>
+                </a:tc>
+                <a:tc>
+                  <a:txBody>
+                    <a:bodyPr/>
+                    <a:lstStyle/>
+                    <a:p>
+                      <a:r>
+                        <a:rPr lang="en-US" altLang="zh-TW" dirty="0" err="1"/>
+                        <a:t>Color_range</a:t>
+                      </a:r>
+                      <a:r>
+                        <a:rPr lang="zh-TW" altLang="en-US" dirty="0"/>
+                        <a:t>　</a:t>
+                      </a:r>
+                    </a:p>
+                  </a:txBody>
+                  <a:tcPr/>
+                </a:tc>
+                <a:extLst>
+                  <a:ext uri="{0D108BD9-81ED-4DB2-BD59-A6C34878D82A}">
+                    <a16:rowId xmlns:a16="http://schemas.microsoft.com/office/drawing/2014/main" val="159595901"/>
+                  </a:ext>
+                </a:extLst>
+              </a:tr>
+              <a:tr h="557650">
+                <a:tc>
+                  <a:txBody>
+                    <a:bodyPr/>
+                    <a:lstStyle/>
+                    <a:p>
+                      <a:r>
+                        <a:rPr lang="en-US" altLang="zh-TW" dirty="0"/>
+                        <a:t>Function</a:t>
+                      </a:r>
+                      <a:endParaRPr lang="zh-TW" altLang="en-US" dirty="0"/>
+                    </a:p>
+                  </a:txBody>
+                  <a:tcPr/>
+                </a:tc>
+                <a:tc>
+                  <a:txBody>
+                    <a:bodyPr/>
+                    <a:lstStyle/>
+                    <a:p>
+                      <a:r>
+                        <a:rPr lang="en-US" altLang="zh-TW" dirty="0"/>
+                        <a:t>cv2.inRange</a:t>
+                      </a:r>
+                      <a:endParaRPr lang="zh-TW" altLang="en-US" dirty="0"/>
+                    </a:p>
+                  </a:txBody>
+                  <a:tcPr/>
+                </a:tc>
+                <a:extLst>
+                  <a:ext uri="{0D108BD9-81ED-4DB2-BD59-A6C34878D82A}">
+                    <a16:rowId xmlns:a16="http://schemas.microsoft.com/office/drawing/2014/main" val="1352399962"/>
+                  </a:ext>
+                </a:extLst>
+              </a:tr>
+            </a:tbl>
+          </a:graphicData>
+        </a:graphic>
+      </p:graphicFrame>
+    </p:spTree>
+    <p:extLst>
+      <p:ext uri="{BB962C8B-B14F-4D97-AF65-F5344CB8AC3E}">
+        <p14:creationId xmlns:p14="http://schemas.microsoft.com/office/powerpoint/2010/main" val="1876679234"/>
+      </p:ext>
+    </p:extLst>
+  </p:cSld>
+  <p:clrMapOvr>
+    <a:masterClrMapping/>
+  </p:clrMapOvr>
+</p:sld>
+</file>
+
+<file path=ppt/slides/slide8.xml><?xml version="1.0" encoding="utf-8"?>
+<p:sld xmlns:a="http://schemas.openxmlformats.org/drawingml/2006/main" xmlns:r="http://schemas.openxmlformats.org/officeDocument/2006/relationships" xmlns:p="http://schemas.openxmlformats.org/presentationml/2006/main">
+  <p:cSld>
+    <p:spTree>
+      <p:nvGrpSpPr>
+        <p:cNvPr id="1" name=""/>
+        <p:cNvGrpSpPr/>
+        <p:nvPr/>
+      </p:nvGrpSpPr>
+      <p:grpSpPr>
+        <a:xfrm>
+          <a:off x="0" y="0"/>
+          <a:ext cx="0" cy="0"/>
+          <a:chOff x="0" y="0"/>
+          <a:chExt cx="0" cy="0"/>
+        </a:xfrm>
+      </p:grpSpPr>
+      <p:sp>
+        <p:nvSpPr>
+          <p:cNvPr id="2" name="標題 1">
+            <a:extLst>
+              <a:ext uri="{FF2B5EF4-FFF2-40B4-BE49-F238E27FC236}">
+                <a16:creationId xmlns:a16="http://schemas.microsoft.com/office/drawing/2014/main" id="{A617898C-4F79-4AC4-8EC0-0FF4129A6BBD}"/>
+              </a:ext>
+            </a:extLst>
+          </p:cNvPr>
+          <p:cNvSpPr>
+            <a:spLocks noGrp="1"/>
+          </p:cNvSpPr>
+          <p:nvPr>
+            <p:ph type="title"/>
+          </p:nvPr>
+        </p:nvSpPr>
+        <p:spPr/>
+        <p:txBody>
+          <a:bodyPr/>
+          <a:lstStyle/>
+          <a:p>
+            <a:r>
+              <a:rPr lang="en-US" altLang="zh-TW" dirty="0">
+                <a:latin typeface="標楷體" panose="03000509000000000000" pitchFamily="65" charset="-120"/>
+                <a:ea typeface="標楷體" panose="03000509000000000000" pitchFamily="65" charset="-120"/>
+              </a:rPr>
+              <a:t>API</a:t>
+            </a:r>
+            <a:br>
+              <a:rPr lang="en-US" altLang="zh-TW" dirty="0">
+                <a:latin typeface="標楷體" panose="03000509000000000000" pitchFamily="65" charset="-120"/>
+                <a:ea typeface="標楷體" panose="03000509000000000000" pitchFamily="65" charset="-120"/>
+              </a:rPr>
+            </a:br>
+            <a:r>
+              <a:rPr lang="en-US" altLang="zh-TW" sz="2800" dirty="0">
+                <a:latin typeface="標楷體" panose="03000509000000000000" pitchFamily="65" charset="-120"/>
+                <a:ea typeface="標楷體" panose="03000509000000000000" pitchFamily="65" charset="-120"/>
+              </a:rPr>
+              <a:t>Find and Draw</a:t>
+            </a:r>
+            <a:endParaRPr lang="zh-TW" altLang="en-US" sz="2800" dirty="0">
+              <a:latin typeface="標楷體" panose="03000509000000000000" pitchFamily="65" charset="-120"/>
+              <a:ea typeface="標楷體" panose="03000509000000000000" pitchFamily="65" charset="-120"/>
+            </a:endParaRPr>
+          </a:p>
+        </p:txBody>
+      </p:sp>
+      <p:graphicFrame>
+        <p:nvGraphicFramePr>
+          <p:cNvPr id="4" name="內容版面配置區 3">
+            <a:extLst>
+              <a:ext uri="{FF2B5EF4-FFF2-40B4-BE49-F238E27FC236}">
+                <a16:creationId xmlns:a16="http://schemas.microsoft.com/office/drawing/2014/main" id="{C6B26C76-54C3-440B-BB5A-017896455DFE}"/>
+              </a:ext>
+            </a:extLst>
+          </p:cNvPr>
+          <p:cNvGraphicFramePr>
+            <a:graphicFrameLocks noGrp="1"/>
+          </p:cNvGraphicFramePr>
+          <p:nvPr>
+            <p:ph idx="1"/>
+            <p:extLst>
+              <p:ext uri="{D42A27DB-BD31-4B8C-83A1-F6EECF244321}">
+                <p14:modId xmlns:p14="http://schemas.microsoft.com/office/powerpoint/2010/main" val="2604322133"/>
+              </p:ext>
+            </p:extLst>
+          </p:nvPr>
+        </p:nvGraphicFramePr>
+        <p:xfrm>
+          <a:off x="838200" y="2912303"/>
+          <a:ext cx="10515600" cy="1755380"/>
+        </p:xfrm>
+        <a:graphic>
+          <a:graphicData uri="http://schemas.openxmlformats.org/drawingml/2006/table">
+            <a:tbl>
+              <a:tblPr firstRow="1" bandRow="1">
+                <a:tableStyleId>{5C22544A-7EE6-4342-B048-85BDC9FD1C3A}</a:tableStyleId>
+              </a:tblPr>
+              <a:tblGrid>
+                <a:gridCol w="1388165">
+                  <a:extLst>
+                    <a:ext uri="{9D8B030D-6E8A-4147-A177-3AD203B41FA5}">
+                      <a16:colId xmlns:a16="http://schemas.microsoft.com/office/drawing/2014/main" val="3672806784"/>
+                    </a:ext>
+                  </a:extLst>
+                </a:gridCol>
+                <a:gridCol w="9127435">
+                  <a:extLst>
+                    <a:ext uri="{9D8B030D-6E8A-4147-A177-3AD203B41FA5}">
+                      <a16:colId xmlns:a16="http://schemas.microsoft.com/office/drawing/2014/main" val="3224140378"/>
+                    </a:ext>
+                  </a:extLst>
+                </a:gridCol>
+              </a:tblGrid>
+              <a:tr h="557650">
+                <a:tc>
+                  <a:txBody>
+                    <a:bodyPr/>
+                    <a:lstStyle/>
+                    <a:p>
+                      <a:r>
+                        <a:rPr lang="en-US" altLang="zh-TW" dirty="0"/>
+                        <a:t>Input</a:t>
+                      </a:r>
+                      <a:endParaRPr lang="zh-TW" altLang="en-US" dirty="0"/>
+                    </a:p>
+                  </a:txBody>
+                  <a:tcPr/>
+                </a:tc>
+                <a:tc>
+                  <a:txBody>
+                    <a:bodyPr/>
+                    <a:lstStyle/>
+                    <a:p>
+                      <a:pPr marL="0" marR="0" lvl="0" indent="0" algn="l" defTabSz="914400" rtl="0" eaLnBrk="1" fontAlgn="auto" latinLnBrk="0" hangingPunct="1">
+                        <a:lnSpc>
+                          <a:spcPct val="100000"/>
+                        </a:lnSpc>
+                        <a:spcBef>
+                          <a:spcPts val="0"/>
+                        </a:spcBef>
+                        <a:spcAft>
+                          <a:spcPts val="0"/>
+                        </a:spcAft>
+                        <a:buClrTx/>
+                        <a:buSzTx/>
+                        <a:buFontTx/>
+                        <a:buNone/>
+                        <a:tabLst/>
+                        <a:defRPr/>
+                      </a:pPr>
+                      <a:r>
+                        <a:rPr lang="en-US" altLang="zh-TW" dirty="0" err="1"/>
+                        <a:t>Sobel_Gray_Image</a:t>
+                      </a:r>
+                      <a:r>
+                        <a:rPr lang="zh-TW" altLang="en-US" dirty="0"/>
+                        <a:t>，</a:t>
+                      </a:r>
+                      <a:r>
+                        <a:rPr lang="en-US" altLang="zh-TW" dirty="0" err="1"/>
+                        <a:t>Sobel_HSV_Image</a:t>
+                      </a:r>
+                      <a:r>
+                        <a:rPr lang="zh-TW" altLang="en-US" dirty="0"/>
+                        <a:t>，</a:t>
+                      </a:r>
+                      <a:r>
+                        <a:rPr lang="en-US" altLang="zh-TW" dirty="0" err="1"/>
+                        <a:t>Color_range</a:t>
+                      </a:r>
+                      <a:r>
+                        <a:rPr lang="zh-TW" altLang="en-US" dirty="0"/>
+                        <a:t>　</a:t>
+                      </a:r>
+                    </a:p>
+                    <a:p>
+                      <a:endParaRPr lang="zh-TW" altLang="en-US" dirty="0"/>
+                    </a:p>
+                  </a:txBody>
+                  <a:tcPr/>
+                </a:tc>
+                <a:extLst>
+                  <a:ext uri="{0D108BD9-81ED-4DB2-BD59-A6C34878D82A}">
+                    <a16:rowId xmlns:a16="http://schemas.microsoft.com/office/drawing/2014/main" val="3197674006"/>
+                  </a:ext>
+                </a:extLst>
+              </a:tr>
+              <a:tr h="557650">
+                <a:tc>
+                  <a:txBody>
+                    <a:bodyPr/>
+                    <a:lstStyle/>
+                    <a:p>
+                      <a:r>
+                        <a:rPr lang="en-US" altLang="zh-TW" dirty="0"/>
+                        <a:t>Output</a:t>
+                      </a:r>
+                      <a:endParaRPr lang="zh-TW" altLang="en-US" dirty="0"/>
+                    </a:p>
+                  </a:txBody>
+                  <a:tcPr/>
+                </a:tc>
+                <a:tc>
+                  <a:txBody>
+                    <a:bodyPr/>
+                    <a:lstStyle/>
+                    <a:p>
+                      <a:r>
+                        <a:rPr lang="en-US" altLang="zh-TW" dirty="0" err="1"/>
+                        <a:t>Draw_Image</a:t>
+                      </a:r>
+                      <a:endParaRPr lang="zh-TW" altLang="en-US" dirty="0"/>
+                    </a:p>
+                  </a:txBody>
+                  <a:tcPr/>
+                </a:tc>
+                <a:extLst>
+                  <a:ext uri="{0D108BD9-81ED-4DB2-BD59-A6C34878D82A}">
+                    <a16:rowId xmlns:a16="http://schemas.microsoft.com/office/drawing/2014/main" val="159595901"/>
+                  </a:ext>
+                </a:extLst>
+              </a:tr>
+              <a:tr h="557650">
+                <a:tc>
+                  <a:txBody>
+                    <a:bodyPr/>
+                    <a:lstStyle/>
+                    <a:p>
+                      <a:r>
+                        <a:rPr lang="en-US" altLang="zh-TW" dirty="0"/>
+                        <a:t>Function</a:t>
+                      </a:r>
+                      <a:endParaRPr lang="zh-TW" altLang="en-US" dirty="0"/>
+                    </a:p>
+                  </a:txBody>
+                  <a:tcPr/>
+                </a:tc>
+                <a:tc>
+                  <a:txBody>
+                    <a:bodyPr/>
+                    <a:lstStyle/>
+                    <a:p>
+                      <a:endParaRPr lang="zh-TW" altLang="en-US" dirty="0"/>
+                    </a:p>
+                  </a:txBody>
+                  <a:tcPr/>
+                </a:tc>
+                <a:extLst>
+                  <a:ext uri="{0D108BD9-81ED-4DB2-BD59-A6C34878D82A}">
+                    <a16:rowId xmlns:a16="http://schemas.microsoft.com/office/drawing/2014/main" val="1352399962"/>
+                  </a:ext>
+                </a:extLst>
+              </a:tr>
+            </a:tbl>
+          </a:graphicData>
+        </a:graphic>
+      </p:graphicFrame>
+    </p:spTree>
+    <p:extLst>
+      <p:ext uri="{BB962C8B-B14F-4D97-AF65-F5344CB8AC3E}">
+        <p14:creationId xmlns:p14="http://schemas.microsoft.com/office/powerpoint/2010/main" val="1877099928"/>
+      </p:ext>
+    </p:extLst>
+  </p:cSld>
+  <p:clrMapOvr>
+    <a:masterClrMapping/>
+  </p:clrMapOvr>
+</p:sld>
+</file>
+
 <file path=ppt/theme/theme1.xml><?xml version="1.0" encoding="utf-8"?>
 <a:theme xmlns:a="http://schemas.openxmlformats.org/drawingml/2006/main" name="Office 佈景主題">
   <a:themeElements>

--- a/HW1.pptx
+++ b/HW1.pptx
@@ -11,8 +11,7 @@
     <p:sldId id="262" r:id="rId5"/>
     <p:sldId id="261" r:id="rId6"/>
     <p:sldId id="263" r:id="rId7"/>
-    <p:sldId id="264" r:id="rId8"/>
-    <p:sldId id="265" r:id="rId9"/>
+    <p:sldId id="265" r:id="rId8"/>
   </p:sldIdLst>
   <p:sldSz cx="12192000" cy="6858000"/>
   <p:notesSz cx="6858000" cy="9144000"/>
@@ -266,7 +265,7 @@
           <a:p>
             <a:fld id="{031CF770-2354-4E02-B7E5-C39564888AD7}" type="datetimeFigureOut">
               <a:rPr lang="zh-TW" altLang="en-US" smtClean="0"/>
-              <a:t>2024/11/7</a:t>
+              <a:t>2025/1/16</a:t>
             </a:fld>
             <a:endParaRPr lang="zh-TW" altLang="en-US"/>
           </a:p>
@@ -464,7 +463,7 @@
           <a:p>
             <a:fld id="{031CF770-2354-4E02-B7E5-C39564888AD7}" type="datetimeFigureOut">
               <a:rPr lang="zh-TW" altLang="en-US" smtClean="0"/>
-              <a:t>2024/11/7</a:t>
+              <a:t>2025/1/16</a:t>
             </a:fld>
             <a:endParaRPr lang="zh-TW" altLang="en-US"/>
           </a:p>
@@ -672,7 +671,7 @@
           <a:p>
             <a:fld id="{031CF770-2354-4E02-B7E5-C39564888AD7}" type="datetimeFigureOut">
               <a:rPr lang="zh-TW" altLang="en-US" smtClean="0"/>
-              <a:t>2024/11/7</a:t>
+              <a:t>2025/1/16</a:t>
             </a:fld>
             <a:endParaRPr lang="zh-TW" altLang="en-US"/>
           </a:p>
@@ -870,7 +869,7 @@
           <a:p>
             <a:fld id="{031CF770-2354-4E02-B7E5-C39564888AD7}" type="datetimeFigureOut">
               <a:rPr lang="zh-TW" altLang="en-US" smtClean="0"/>
-              <a:t>2024/11/7</a:t>
+              <a:t>2025/1/16</a:t>
             </a:fld>
             <a:endParaRPr lang="zh-TW" altLang="en-US"/>
           </a:p>
@@ -1145,7 +1144,7 @@
           <a:p>
             <a:fld id="{031CF770-2354-4E02-B7E5-C39564888AD7}" type="datetimeFigureOut">
               <a:rPr lang="zh-TW" altLang="en-US" smtClean="0"/>
-              <a:t>2024/11/7</a:t>
+              <a:t>2025/1/16</a:t>
             </a:fld>
             <a:endParaRPr lang="zh-TW" altLang="en-US"/>
           </a:p>
@@ -1410,7 +1409,7 @@
           <a:p>
             <a:fld id="{031CF770-2354-4E02-B7E5-C39564888AD7}" type="datetimeFigureOut">
               <a:rPr lang="zh-TW" altLang="en-US" smtClean="0"/>
-              <a:t>2024/11/7</a:t>
+              <a:t>2025/1/16</a:t>
             </a:fld>
             <a:endParaRPr lang="zh-TW" altLang="en-US"/>
           </a:p>
@@ -1822,7 +1821,7 @@
           <a:p>
             <a:fld id="{031CF770-2354-4E02-B7E5-C39564888AD7}" type="datetimeFigureOut">
               <a:rPr lang="zh-TW" altLang="en-US" smtClean="0"/>
-              <a:t>2024/11/7</a:t>
+              <a:t>2025/1/16</a:t>
             </a:fld>
             <a:endParaRPr lang="zh-TW" altLang="en-US"/>
           </a:p>
@@ -1963,7 +1962,7 @@
           <a:p>
             <a:fld id="{031CF770-2354-4E02-B7E5-C39564888AD7}" type="datetimeFigureOut">
               <a:rPr lang="zh-TW" altLang="en-US" smtClean="0"/>
-              <a:t>2024/11/7</a:t>
+              <a:t>2025/1/16</a:t>
             </a:fld>
             <a:endParaRPr lang="zh-TW" altLang="en-US"/>
           </a:p>
@@ -2076,7 +2075,7 @@
           <a:p>
             <a:fld id="{031CF770-2354-4E02-B7E5-C39564888AD7}" type="datetimeFigureOut">
               <a:rPr lang="zh-TW" altLang="en-US" smtClean="0"/>
-              <a:t>2024/11/7</a:t>
+              <a:t>2025/1/16</a:t>
             </a:fld>
             <a:endParaRPr lang="zh-TW" altLang="en-US"/>
           </a:p>
@@ -2387,7 +2386,7 @@
           <a:p>
             <a:fld id="{031CF770-2354-4E02-B7E5-C39564888AD7}" type="datetimeFigureOut">
               <a:rPr lang="zh-TW" altLang="en-US" smtClean="0"/>
-              <a:t>2024/11/7</a:t>
+              <a:t>2025/1/16</a:t>
             </a:fld>
             <a:endParaRPr lang="zh-TW" altLang="en-US"/>
           </a:p>
@@ -2675,7 +2674,7 @@
           <a:p>
             <a:fld id="{031CF770-2354-4E02-B7E5-C39564888AD7}" type="datetimeFigureOut">
               <a:rPr lang="zh-TW" altLang="en-US" smtClean="0"/>
-              <a:t>2024/11/7</a:t>
+              <a:t>2025/1/16</a:t>
             </a:fld>
             <a:endParaRPr lang="zh-TW" altLang="en-US"/>
           </a:p>
@@ -2916,7 +2915,7 @@
           <a:p>
             <a:fld id="{031CF770-2354-4E02-B7E5-C39564888AD7}" type="datetimeFigureOut">
               <a:rPr lang="zh-TW" altLang="en-US" smtClean="0"/>
-              <a:t>2024/11/7</a:t>
+              <a:t>2025/1/16</a:t>
             </a:fld>
             <a:endParaRPr lang="zh-TW" altLang="en-US"/>
           </a:p>
@@ -3634,14 +3633,14 @@
             <p:ph idx="1"/>
             <p:extLst>
               <p:ext uri="{D42A27DB-BD31-4B8C-83A1-F6EECF244321}">
-                <p14:modId xmlns:p14="http://schemas.microsoft.com/office/powerpoint/2010/main" val="3666893824"/>
+                <p14:modId xmlns:p14="http://schemas.microsoft.com/office/powerpoint/2010/main" val="1632493396"/>
               </p:ext>
             </p:extLst>
           </p:nvPr>
         </p:nvGraphicFramePr>
         <p:xfrm>
-          <a:off x="838200" y="2660512"/>
-          <a:ext cx="10515600" cy="1672950"/>
+          <a:off x="838200" y="1863807"/>
+          <a:ext cx="5257800" cy="1645920"/>
         </p:xfrm>
         <a:graphic>
           <a:graphicData uri="http://schemas.openxmlformats.org/drawingml/2006/table">
@@ -3650,14 +3649,14 @@
                 <a:tableStyleId>{5C22544A-7EE6-4342-B048-85BDC9FD1C3A}</a:tableStyleId>
               </a:tblPr>
               <a:tblGrid>
-                <a:gridCol w="1388165">
+                <a:gridCol w="694083">
                   <a:extLst>
                     <a:ext uri="{9D8B030D-6E8A-4147-A177-3AD203B41FA5}">
                       <a16:colId xmlns:a16="http://schemas.microsoft.com/office/drawing/2014/main" val="3672806784"/>
                     </a:ext>
                   </a:extLst>
                 </a:gridCol>
-                <a:gridCol w="9127435">
+                <a:gridCol w="4563717">
                   <a:extLst>
                     <a:ext uri="{9D8B030D-6E8A-4147-A177-3AD203B41FA5}">
                       <a16:colId xmlns:a16="http://schemas.microsoft.com/office/drawing/2014/main" val="3224140378"/>
@@ -3665,7 +3664,7 @@
                   </a:extLst>
                 </a:gridCol>
               </a:tblGrid>
-              <a:tr h="557650">
+              <a:tr h="256163">
                 <a:tc>
                   <a:txBody>
                     <a:bodyPr/>
@@ -3708,7 +3707,7 @@
                   </a:ext>
                 </a:extLst>
               </a:tr>
-              <a:tr h="557650">
+              <a:tr h="256163">
                 <a:tc>
                   <a:txBody>
                     <a:bodyPr/>
@@ -3778,7 +3777,7 @@
                   </a:ext>
                 </a:extLst>
               </a:tr>
-              <a:tr h="557650">
+              <a:tr h="256163">
                 <a:tc>
                   <a:txBody>
                     <a:bodyPr/>
@@ -3825,6 +3824,78 @@
           </a:graphicData>
         </a:graphic>
       </p:graphicFrame>
+      <p:pic>
+        <p:nvPicPr>
+          <p:cNvPr id="5" name="圖片 4">
+            <a:extLst>
+              <a:ext uri="{FF2B5EF4-FFF2-40B4-BE49-F238E27FC236}">
+                <a16:creationId xmlns:a16="http://schemas.microsoft.com/office/drawing/2014/main" id="{394AC248-F564-ACE3-C5F5-25681B3FE516}"/>
+              </a:ext>
+            </a:extLst>
+          </p:cNvPr>
+          <p:cNvPicPr>
+            <a:picLocks noChangeAspect="1"/>
+          </p:cNvPicPr>
+          <p:nvPr/>
+        </p:nvPicPr>
+        <p:blipFill>
+          <a:blip r:embed="rId2">
+            <a:extLst>
+              <a:ext uri="{28A0092B-C50C-407E-A947-70E740481C1C}">
+                <a14:useLocalDpi xmlns:a14="http://schemas.microsoft.com/office/drawing/2010/main" val="0"/>
+              </a:ext>
+            </a:extLst>
+          </a:blip>
+          <a:stretch>
+            <a:fillRect/>
+          </a:stretch>
+        </p:blipFill>
+        <p:spPr>
+          <a:xfrm>
+            <a:off x="7088909" y="1863807"/>
+            <a:ext cx="3810000" cy="2019300"/>
+          </a:xfrm>
+          <a:prstGeom prst="rect">
+            <a:avLst/>
+          </a:prstGeom>
+        </p:spPr>
+      </p:pic>
+      <p:pic>
+        <p:nvPicPr>
+          <p:cNvPr id="7" name="圖片 6">
+            <a:extLst>
+              <a:ext uri="{FF2B5EF4-FFF2-40B4-BE49-F238E27FC236}">
+                <a16:creationId xmlns:a16="http://schemas.microsoft.com/office/drawing/2014/main" id="{31968DD2-D141-4B2B-31A3-07047AC5F244}"/>
+              </a:ext>
+            </a:extLst>
+          </p:cNvPr>
+          <p:cNvPicPr>
+            <a:picLocks noChangeAspect="1"/>
+          </p:cNvPicPr>
+          <p:nvPr/>
+        </p:nvPicPr>
+        <p:blipFill>
+          <a:blip r:embed="rId3">
+            <a:extLst>
+              <a:ext uri="{28A0092B-C50C-407E-A947-70E740481C1C}">
+                <a14:useLocalDpi xmlns:a14="http://schemas.microsoft.com/office/drawing/2010/main" val="0"/>
+              </a:ext>
+            </a:extLst>
+          </a:blip>
+          <a:stretch>
+            <a:fillRect/>
+          </a:stretch>
+        </p:blipFill>
+        <p:spPr>
+          <a:xfrm>
+            <a:off x="7088909" y="4473575"/>
+            <a:ext cx="3810000" cy="2019300"/>
+          </a:xfrm>
+          <a:prstGeom prst="rect">
+            <a:avLst/>
+          </a:prstGeom>
+        </p:spPr>
+      </p:pic>
     </p:spTree>
     <p:extLst>
       <p:ext uri="{BB962C8B-B14F-4D97-AF65-F5344CB8AC3E}">
@@ -3918,14 +3989,14 @@
           <p:nvPr>
             <p:extLst>
               <p:ext uri="{D42A27DB-BD31-4B8C-83A1-F6EECF244321}">
-                <p14:modId xmlns:p14="http://schemas.microsoft.com/office/powerpoint/2010/main" val="467431541"/>
+                <p14:modId xmlns:p14="http://schemas.microsoft.com/office/powerpoint/2010/main" val="602406980"/>
               </p:ext>
             </p:extLst>
           </p:nvPr>
         </p:nvGraphicFramePr>
         <p:xfrm>
-          <a:off x="838200" y="2660512"/>
-          <a:ext cx="10515600" cy="1755380"/>
+          <a:off x="838201" y="1773124"/>
+          <a:ext cx="5257800" cy="1920240"/>
         </p:xfrm>
         <a:graphic>
           <a:graphicData uri="http://schemas.openxmlformats.org/drawingml/2006/table">
@@ -3934,14 +4005,14 @@
                 <a:tableStyleId>{5C22544A-7EE6-4342-B048-85BDC9FD1C3A}</a:tableStyleId>
               </a:tblPr>
               <a:tblGrid>
-                <a:gridCol w="1388165">
+                <a:gridCol w="694082">
                   <a:extLst>
                     <a:ext uri="{9D8B030D-6E8A-4147-A177-3AD203B41FA5}">
                       <a16:colId xmlns:a16="http://schemas.microsoft.com/office/drawing/2014/main" val="3672806784"/>
                     </a:ext>
                   </a:extLst>
                 </a:gridCol>
-                <a:gridCol w="9127435">
+                <a:gridCol w="4563718">
                   <a:extLst>
                     <a:ext uri="{9D8B030D-6E8A-4147-A177-3AD203B41FA5}">
                       <a16:colId xmlns:a16="http://schemas.microsoft.com/office/drawing/2014/main" val="3224140378"/>
@@ -4000,32 +4071,9 @@
                       </a:r>
                       <a:r>
                         <a:rPr lang="en-US" altLang="zh-TW" dirty="0"/>
-                        <a:t>) </a:t>
-                      </a:r>
-                      <a:r>
-                        <a:rPr lang="zh-TW" altLang="en-US" dirty="0"/>
-                        <a:t>，</a:t>
-                      </a:r>
-                      <a:r>
-                        <a:rPr lang="en-US" altLang="zh-TW" dirty="0" err="1"/>
-                        <a:t>HSV_Image</a:t>
-                      </a:r>
-                      <a:r>
-                        <a:rPr lang="en-US" altLang="zh-TW" dirty="0"/>
-                        <a:t>(HSV</a:t>
-                      </a:r>
-                      <a:r>
-                        <a:rPr lang="zh-TW" altLang="en-US" dirty="0"/>
-                        <a:t>圖片</a:t>
-                      </a:r>
-                      <a:r>
-                        <a:rPr lang="en-US" altLang="zh-TW" dirty="0"/>
                         <a:t>)</a:t>
                       </a:r>
-                      <a:r>
-                        <a:rPr lang="zh-TW" altLang="en-US" dirty="0"/>
-                        <a:t>　</a:t>
-                      </a:r>
+                      <a:endParaRPr lang="zh-TW" altLang="en-US" dirty="0"/>
                     </a:p>
                     <a:p>
                       <a:endParaRPr lang="zh-TW" altLang="en-US" dirty="0"/>
@@ -4063,14 +4111,6 @@
                         <a:rPr lang="en-US" altLang="zh-TW" dirty="0" err="1"/>
                         <a:t>Sobel_Gray_Image</a:t>
                       </a:r>
-                      <a:r>
-                        <a:rPr lang="zh-TW" altLang="en-US" dirty="0"/>
-                        <a:t>，</a:t>
-                      </a:r>
-                      <a:r>
-                        <a:rPr lang="en-US" altLang="zh-TW" dirty="0" err="1"/>
-                        <a:t>Sobel_HSV_Image</a:t>
-                      </a:r>
                       <a:endParaRPr lang="zh-TW" altLang="en-US" dirty="0"/>
                     </a:p>
                   </a:txBody>
@@ -4082,7 +4122,7 @@
                   </a:ext>
                 </a:extLst>
               </a:tr>
-              <a:tr h="557650">
+              <a:tr h="293748">
                 <a:tc>
                   <a:txBody>
                     <a:bodyPr/>
@@ -4121,6 +4161,78 @@
           </a:graphicData>
         </a:graphic>
       </p:graphicFrame>
+      <p:pic>
+        <p:nvPicPr>
+          <p:cNvPr id="5" name="圖片 4">
+            <a:extLst>
+              <a:ext uri="{FF2B5EF4-FFF2-40B4-BE49-F238E27FC236}">
+                <a16:creationId xmlns:a16="http://schemas.microsoft.com/office/drawing/2014/main" id="{35B05537-984B-EB55-9534-C95F4DC6B476}"/>
+              </a:ext>
+            </a:extLst>
+          </p:cNvPr>
+          <p:cNvPicPr>
+            <a:picLocks noChangeAspect="1"/>
+          </p:cNvPicPr>
+          <p:nvPr/>
+        </p:nvPicPr>
+        <p:blipFill>
+          <a:blip r:embed="rId2">
+            <a:extLst>
+              <a:ext uri="{28A0092B-C50C-407E-A947-70E740481C1C}">
+                <a14:useLocalDpi xmlns:a14="http://schemas.microsoft.com/office/drawing/2010/main" val="0"/>
+              </a:ext>
+            </a:extLst>
+          </a:blip>
+          <a:stretch>
+            <a:fillRect/>
+          </a:stretch>
+        </p:blipFill>
+        <p:spPr>
+          <a:xfrm>
+            <a:off x="7301345" y="1690688"/>
+            <a:ext cx="3810000" cy="2019300"/>
+          </a:xfrm>
+          <a:prstGeom prst="rect">
+            <a:avLst/>
+          </a:prstGeom>
+        </p:spPr>
+      </p:pic>
+      <p:pic>
+        <p:nvPicPr>
+          <p:cNvPr id="7" name="圖片 6">
+            <a:extLst>
+              <a:ext uri="{FF2B5EF4-FFF2-40B4-BE49-F238E27FC236}">
+                <a16:creationId xmlns:a16="http://schemas.microsoft.com/office/drawing/2014/main" id="{BCBDAB6B-47B9-9689-7B91-B6465375505D}"/>
+              </a:ext>
+            </a:extLst>
+          </p:cNvPr>
+          <p:cNvPicPr>
+            <a:picLocks noChangeAspect="1"/>
+          </p:cNvPicPr>
+          <p:nvPr/>
+        </p:nvPicPr>
+        <p:blipFill>
+          <a:blip r:embed="rId3">
+            <a:extLst>
+              <a:ext uri="{28A0092B-C50C-407E-A947-70E740481C1C}">
+                <a14:useLocalDpi xmlns:a14="http://schemas.microsoft.com/office/drawing/2010/main" val="0"/>
+              </a:ext>
+            </a:extLst>
+          </a:blip>
+          <a:stretch>
+            <a:fillRect/>
+          </a:stretch>
+        </p:blipFill>
+        <p:spPr>
+          <a:xfrm>
+            <a:off x="7301345" y="4236027"/>
+            <a:ext cx="3810000" cy="2019300"/>
+          </a:xfrm>
+          <a:prstGeom prst="rect">
+            <a:avLst/>
+          </a:prstGeom>
+        </p:spPr>
+      </p:pic>
     </p:spTree>
     <p:extLst>
       <p:ext uri="{BB962C8B-B14F-4D97-AF65-F5344CB8AC3E}">
@@ -4190,7 +4302,21 @@
                 <a:latin typeface="標楷體" panose="03000509000000000000" pitchFamily="65" charset="-120"/>
                 <a:ea typeface="標楷體" panose="03000509000000000000" pitchFamily="65" charset="-120"/>
               </a:rPr>
-              <a:t>LBP</a:t>
+              <a:t>LBP (</a:t>
+            </a:r>
+            <a:r>
+              <a:rPr lang="zh-TW" altLang="en-US" sz="2800" dirty="0">
+                <a:latin typeface="標楷體" panose="03000509000000000000" pitchFamily="65" charset="-120"/>
+                <a:ea typeface="標楷體" panose="03000509000000000000" pitchFamily="65" charset="-120"/>
+              </a:rPr>
+              <a:t>計算每個像素點的值並統計</a:t>
+            </a:r>
+            <a:r>
+              <a:rPr lang="en-US" altLang="zh-TW" sz="2800" dirty="0">
+                <a:latin typeface="標楷體" panose="03000509000000000000" pitchFamily="65" charset="-120"/>
+                <a:ea typeface="標楷體" panose="03000509000000000000" pitchFamily="65" charset="-120"/>
+              </a:rPr>
+              <a:t>)</a:t>
             </a:r>
             <a:endParaRPr lang="zh-TW" altLang="en-US" sz="2800" dirty="0">
               <a:latin typeface="標楷體" panose="03000509000000000000" pitchFamily="65" charset="-120"/>
@@ -4215,14 +4341,14 @@
             <p:ph idx="1"/>
             <p:extLst>
               <p:ext uri="{D42A27DB-BD31-4B8C-83A1-F6EECF244321}">
-                <p14:modId xmlns:p14="http://schemas.microsoft.com/office/powerpoint/2010/main" val="3138859615"/>
+                <p14:modId xmlns:p14="http://schemas.microsoft.com/office/powerpoint/2010/main" val="2841614035"/>
               </p:ext>
             </p:extLst>
           </p:nvPr>
         </p:nvGraphicFramePr>
         <p:xfrm>
-          <a:off x="838200" y="2912303"/>
-          <a:ext cx="10515600" cy="1672950"/>
+          <a:off x="838200" y="1803940"/>
+          <a:ext cx="5876636" cy="1839550"/>
         </p:xfrm>
         <a:graphic>
           <a:graphicData uri="http://schemas.openxmlformats.org/drawingml/2006/table">
@@ -4231,14 +4357,14 @@
                 <a:tableStyleId>{5C22544A-7EE6-4342-B048-85BDC9FD1C3A}</a:tableStyleId>
               </a:tblPr>
               <a:tblGrid>
-                <a:gridCol w="1388165">
+                <a:gridCol w="775775">
                   <a:extLst>
                     <a:ext uri="{9D8B030D-6E8A-4147-A177-3AD203B41FA5}">
                       <a16:colId xmlns:a16="http://schemas.microsoft.com/office/drawing/2014/main" val="3672806784"/>
                     </a:ext>
                   </a:extLst>
                 </a:gridCol>
-                <a:gridCol w="9127435">
+                <a:gridCol w="5100861">
                   <a:extLst>
                     <a:ext uri="{9D8B030D-6E8A-4147-A177-3AD203B41FA5}">
                       <a16:colId xmlns:a16="http://schemas.microsoft.com/office/drawing/2014/main" val="3224140378"/>
@@ -4246,7 +4372,7 @@
                   </a:extLst>
                 </a:gridCol>
               </a:tblGrid>
-              <a:tr h="557650">
+              <a:tr h="559390">
                 <a:tc>
                   <a:txBody>
                     <a:bodyPr/>
@@ -4289,7 +4415,7 @@
                   </a:ext>
                 </a:extLst>
               </a:tr>
-              <a:tr h="557650">
+              <a:tr h="559390">
                 <a:tc>
                   <a:txBody>
                     <a:bodyPr/>
@@ -4324,7 +4450,7 @@
                   </a:ext>
                 </a:extLst>
               </a:tr>
-              <a:tr h="557650">
+              <a:tr h="559390">
                 <a:tc>
                   <a:txBody>
                     <a:bodyPr/>
@@ -4363,6 +4489,78 @@
           </a:graphicData>
         </a:graphic>
       </p:graphicFrame>
+      <p:pic>
+        <p:nvPicPr>
+          <p:cNvPr id="5" name="圖片 4">
+            <a:extLst>
+              <a:ext uri="{FF2B5EF4-FFF2-40B4-BE49-F238E27FC236}">
+                <a16:creationId xmlns:a16="http://schemas.microsoft.com/office/drawing/2014/main" id="{559AD6C4-A286-2AD9-4C91-4835AEA553DC}"/>
+              </a:ext>
+            </a:extLst>
+          </p:cNvPr>
+          <p:cNvPicPr>
+            <a:picLocks noChangeAspect="1"/>
+          </p:cNvPicPr>
+          <p:nvPr/>
+        </p:nvPicPr>
+        <p:blipFill>
+          <a:blip r:embed="rId2">
+            <a:extLst>
+              <a:ext uri="{28A0092B-C50C-407E-A947-70E740481C1C}">
+                <a14:useLocalDpi xmlns:a14="http://schemas.microsoft.com/office/drawing/2010/main" val="0"/>
+              </a:ext>
+            </a:extLst>
+          </a:blip>
+          <a:stretch>
+            <a:fillRect/>
+          </a:stretch>
+        </p:blipFill>
+        <p:spPr>
+          <a:xfrm>
+            <a:off x="7543800" y="1803940"/>
+            <a:ext cx="3810000" cy="2019300"/>
+          </a:xfrm>
+          <a:prstGeom prst="rect">
+            <a:avLst/>
+          </a:prstGeom>
+        </p:spPr>
+      </p:pic>
+      <p:pic>
+        <p:nvPicPr>
+          <p:cNvPr id="7" name="圖片 6">
+            <a:extLst>
+              <a:ext uri="{FF2B5EF4-FFF2-40B4-BE49-F238E27FC236}">
+                <a16:creationId xmlns:a16="http://schemas.microsoft.com/office/drawing/2014/main" id="{B316B0CC-5B2B-CA43-A5E4-F081928C380A}"/>
+              </a:ext>
+            </a:extLst>
+          </p:cNvPr>
+          <p:cNvPicPr>
+            <a:picLocks noChangeAspect="1"/>
+          </p:cNvPicPr>
+          <p:nvPr/>
+        </p:nvPicPr>
+        <p:blipFill>
+          <a:blip r:embed="rId3">
+            <a:extLst>
+              <a:ext uri="{28A0092B-C50C-407E-A947-70E740481C1C}">
+                <a14:useLocalDpi xmlns:a14="http://schemas.microsoft.com/office/drawing/2010/main" val="0"/>
+              </a:ext>
+            </a:extLst>
+          </a:blip>
+          <a:stretch>
+            <a:fillRect/>
+          </a:stretch>
+        </p:blipFill>
+        <p:spPr>
+          <a:xfrm>
+            <a:off x="7543800" y="4223868"/>
+            <a:ext cx="3810000" cy="2019300"/>
+          </a:xfrm>
+          <a:prstGeom prst="rect">
+            <a:avLst/>
+          </a:prstGeom>
+        </p:spPr>
+      </p:pic>
     </p:spTree>
     <p:extLst>
       <p:ext uri="{BB962C8B-B14F-4D97-AF65-F5344CB8AC3E}">
@@ -4411,7 +4609,9 @@
         </p:nvSpPr>
         <p:spPr/>
         <p:txBody>
-          <a:bodyPr/>
+          <a:bodyPr>
+            <a:normAutofit/>
+          </a:bodyPr>
           <a:lstStyle/>
           <a:p>
             <a:r>
@@ -4432,7 +4632,35 @@
                 <a:latin typeface="標楷體" panose="03000509000000000000" pitchFamily="65" charset="-120"/>
                 <a:ea typeface="標楷體" panose="03000509000000000000" pitchFamily="65" charset="-120"/>
               </a:rPr>
-              <a:t>Find color range</a:t>
+              <a:t>Find and Draw(</a:t>
+            </a:r>
+            <a:r>
+              <a:rPr lang="zh-TW" altLang="en-US" sz="2800" dirty="0">
+                <a:latin typeface="標楷體" panose="03000509000000000000" pitchFamily="65" charset="-120"/>
+                <a:ea typeface="標楷體" panose="03000509000000000000" pitchFamily="65" charset="-120"/>
+              </a:rPr>
+              <a:t>將</a:t>
+            </a:r>
+            <a:r>
+              <a:rPr lang="en-US" altLang="zh-TW" sz="2800" dirty="0">
+                <a:latin typeface="標楷體" panose="03000509000000000000" pitchFamily="65" charset="-120"/>
+                <a:ea typeface="標楷體" panose="03000509000000000000" pitchFamily="65" charset="-120"/>
+              </a:rPr>
+              <a:t>LPB</a:t>
+            </a:r>
+            <a:r>
+              <a:rPr lang="zh-TW" altLang="en-US" sz="2800" dirty="0">
+                <a:latin typeface="標楷體" panose="03000509000000000000" pitchFamily="65" charset="-120"/>
+                <a:ea typeface="標楷體" panose="03000509000000000000" pitchFamily="65" charset="-120"/>
+              </a:rPr>
+              <a:t>的最大值及第二高值的像素塗色</a:t>
+            </a:r>
+            <a:r>
+              <a:rPr lang="en-US" altLang="zh-TW" sz="2800" dirty="0">
+                <a:latin typeface="標楷體" panose="03000509000000000000" pitchFamily="65" charset="-120"/>
+                <a:ea typeface="標楷體" panose="03000509000000000000" pitchFamily="65" charset="-120"/>
+              </a:rPr>
+              <a:t>)</a:t>
             </a:r>
             <a:endParaRPr lang="zh-TW" altLang="en-US" sz="2800" dirty="0">
               <a:latin typeface="標楷體" panose="03000509000000000000" pitchFamily="65" charset="-120"/>
@@ -4457,14 +4685,14 @@
             <p:ph idx="1"/>
             <p:extLst>
               <p:ext uri="{D42A27DB-BD31-4B8C-83A1-F6EECF244321}">
-                <p14:modId xmlns:p14="http://schemas.microsoft.com/office/powerpoint/2010/main" val="3013265257"/>
+                <p14:modId xmlns:p14="http://schemas.microsoft.com/office/powerpoint/2010/main" val="3773199001"/>
               </p:ext>
             </p:extLst>
           </p:nvPr>
         </p:nvGraphicFramePr>
         <p:xfrm>
-          <a:off x="838200" y="2912303"/>
-          <a:ext cx="10515600" cy="1755380"/>
+          <a:off x="838200" y="1914774"/>
+          <a:ext cx="5719618" cy="1925765"/>
         </p:xfrm>
         <a:graphic>
           <a:graphicData uri="http://schemas.openxmlformats.org/drawingml/2006/table">
@@ -4473,14 +4701,14 @@
                 <a:tableStyleId>{5C22544A-7EE6-4342-B048-85BDC9FD1C3A}</a:tableStyleId>
               </a:tblPr>
               <a:tblGrid>
-                <a:gridCol w="1388165">
+                <a:gridCol w="755047">
                   <a:extLst>
                     <a:ext uri="{9D8B030D-6E8A-4147-A177-3AD203B41FA5}">
                       <a16:colId xmlns:a16="http://schemas.microsoft.com/office/drawing/2014/main" val="3672806784"/>
                     </a:ext>
                   </a:extLst>
                 </a:gridCol>
-                <a:gridCol w="9127435">
+                <a:gridCol w="4964571">
                   <a:extLst>
                     <a:ext uri="{9D8B030D-6E8A-4147-A177-3AD203B41FA5}">
                       <a16:colId xmlns:a16="http://schemas.microsoft.com/office/drawing/2014/main" val="3224140378"/>
@@ -4488,271 +4716,7 @@
                   </a:extLst>
                 </a:gridCol>
               </a:tblGrid>
-              <a:tr h="557650">
-                <a:tc>
-                  <a:txBody>
-                    <a:bodyPr/>
-                    <a:lstStyle/>
-                    <a:p>
-                      <a:r>
-                        <a:rPr lang="en-US" altLang="zh-TW" dirty="0"/>
-                        <a:t>Input</a:t>
-                      </a:r>
-                      <a:endParaRPr lang="zh-TW" altLang="en-US" dirty="0"/>
-                    </a:p>
-                  </a:txBody>
-                  <a:tcPr/>
-                </a:tc>
-                <a:tc>
-                  <a:txBody>
-                    <a:bodyPr/>
-                    <a:lstStyle/>
-                    <a:p>
-                      <a:r>
-                        <a:rPr lang="en-US" altLang="zh-TW" dirty="0"/>
-                        <a:t>Original Image(</a:t>
-                      </a:r>
-                      <a:r>
-                        <a:rPr lang="zh-TW" altLang="en-US" dirty="0"/>
-                        <a:t>原始圖片</a:t>
-                      </a:r>
-                      <a:r>
-                        <a:rPr lang="en-US" altLang="zh-TW" dirty="0"/>
-                        <a:t>) </a:t>
-                      </a:r>
-                      <a:r>
-                        <a:rPr lang="zh-TW" altLang="en-US" dirty="0"/>
-                        <a:t>，</a:t>
-                      </a:r>
-                      <a:r>
-                        <a:rPr lang="en-US" altLang="zh-TW" dirty="0" err="1"/>
-                        <a:t>Sobel_Gray_Image</a:t>
-                      </a:r>
-                      <a:r>
-                        <a:rPr lang="zh-TW" altLang="en-US" dirty="0"/>
-                        <a:t>，</a:t>
-                      </a:r>
-                      <a:r>
-                        <a:rPr lang="en-US" altLang="zh-TW" dirty="0" err="1"/>
-                        <a:t>Sobel_HSV_Image</a:t>
-                      </a:r>
-                      <a:endParaRPr lang="zh-TW" altLang="en-US" dirty="0"/>
-                    </a:p>
-                    <a:p>
-                      <a:endParaRPr lang="zh-TW" altLang="en-US" dirty="0"/>
-                    </a:p>
-                  </a:txBody>
-                  <a:tcPr/>
-                </a:tc>
-                <a:extLst>
-                  <a:ext uri="{0D108BD9-81ED-4DB2-BD59-A6C34878D82A}">
-                    <a16:rowId xmlns:a16="http://schemas.microsoft.com/office/drawing/2014/main" val="3197674006"/>
-                  </a:ext>
-                </a:extLst>
-              </a:tr>
-              <a:tr h="557650">
-                <a:tc>
-                  <a:txBody>
-                    <a:bodyPr/>
-                    <a:lstStyle/>
-                    <a:p>
-                      <a:r>
-                        <a:rPr lang="en-US" altLang="zh-TW" dirty="0"/>
-                        <a:t>Output</a:t>
-                      </a:r>
-                      <a:endParaRPr lang="zh-TW" altLang="en-US" dirty="0"/>
-                    </a:p>
-                  </a:txBody>
-                  <a:tcPr/>
-                </a:tc>
-                <a:tc>
-                  <a:txBody>
-                    <a:bodyPr/>
-                    <a:lstStyle/>
-                    <a:p>
-                      <a:r>
-                        <a:rPr lang="en-US" altLang="zh-TW" dirty="0" err="1"/>
-                        <a:t>Color_range</a:t>
-                      </a:r>
-                      <a:r>
-                        <a:rPr lang="zh-TW" altLang="en-US" dirty="0"/>
-                        <a:t>　</a:t>
-                      </a:r>
-                    </a:p>
-                  </a:txBody>
-                  <a:tcPr/>
-                </a:tc>
-                <a:extLst>
-                  <a:ext uri="{0D108BD9-81ED-4DB2-BD59-A6C34878D82A}">
-                    <a16:rowId xmlns:a16="http://schemas.microsoft.com/office/drawing/2014/main" val="159595901"/>
-                  </a:ext>
-                </a:extLst>
-              </a:tr>
-              <a:tr h="557650">
-                <a:tc>
-                  <a:txBody>
-                    <a:bodyPr/>
-                    <a:lstStyle/>
-                    <a:p>
-                      <a:r>
-                        <a:rPr lang="en-US" altLang="zh-TW" dirty="0"/>
-                        <a:t>Function</a:t>
-                      </a:r>
-                      <a:endParaRPr lang="zh-TW" altLang="en-US" dirty="0"/>
-                    </a:p>
-                  </a:txBody>
-                  <a:tcPr/>
-                </a:tc>
-                <a:tc>
-                  <a:txBody>
-                    <a:bodyPr/>
-                    <a:lstStyle/>
-                    <a:p>
-                      <a:r>
-                        <a:rPr lang="en-US" altLang="zh-TW" dirty="0"/>
-                        <a:t>cv2.inRange</a:t>
-                      </a:r>
-                      <a:endParaRPr lang="zh-TW" altLang="en-US" dirty="0"/>
-                    </a:p>
-                  </a:txBody>
-                  <a:tcPr/>
-                </a:tc>
-                <a:extLst>
-                  <a:ext uri="{0D108BD9-81ED-4DB2-BD59-A6C34878D82A}">
-                    <a16:rowId xmlns:a16="http://schemas.microsoft.com/office/drawing/2014/main" val="1352399962"/>
-                  </a:ext>
-                </a:extLst>
-              </a:tr>
-            </a:tbl>
-          </a:graphicData>
-        </a:graphic>
-      </p:graphicFrame>
-    </p:spTree>
-    <p:extLst>
-      <p:ext uri="{BB962C8B-B14F-4D97-AF65-F5344CB8AC3E}">
-        <p14:creationId xmlns:p14="http://schemas.microsoft.com/office/powerpoint/2010/main" val="1876679234"/>
-      </p:ext>
-    </p:extLst>
-  </p:cSld>
-  <p:clrMapOvr>
-    <a:masterClrMapping/>
-  </p:clrMapOvr>
-</p:sld>
-</file>
-
-<file path=ppt/slides/slide8.xml><?xml version="1.0" encoding="utf-8"?>
-<p:sld xmlns:a="http://schemas.openxmlformats.org/drawingml/2006/main" xmlns:r="http://schemas.openxmlformats.org/officeDocument/2006/relationships" xmlns:p="http://schemas.openxmlformats.org/presentationml/2006/main">
-  <p:cSld>
-    <p:spTree>
-      <p:nvGrpSpPr>
-        <p:cNvPr id="1" name=""/>
-        <p:cNvGrpSpPr/>
-        <p:nvPr/>
-      </p:nvGrpSpPr>
-      <p:grpSpPr>
-        <a:xfrm>
-          <a:off x="0" y="0"/>
-          <a:ext cx="0" cy="0"/>
-          <a:chOff x="0" y="0"/>
-          <a:chExt cx="0" cy="0"/>
-        </a:xfrm>
-      </p:grpSpPr>
-      <p:sp>
-        <p:nvSpPr>
-          <p:cNvPr id="2" name="標題 1">
-            <a:extLst>
-              <a:ext uri="{FF2B5EF4-FFF2-40B4-BE49-F238E27FC236}">
-                <a16:creationId xmlns:a16="http://schemas.microsoft.com/office/drawing/2014/main" id="{A617898C-4F79-4AC4-8EC0-0FF4129A6BBD}"/>
-              </a:ext>
-            </a:extLst>
-          </p:cNvPr>
-          <p:cNvSpPr>
-            <a:spLocks noGrp="1"/>
-          </p:cNvSpPr>
-          <p:nvPr>
-            <p:ph type="title"/>
-          </p:nvPr>
-        </p:nvSpPr>
-        <p:spPr/>
-        <p:txBody>
-          <a:bodyPr/>
-          <a:lstStyle/>
-          <a:p>
-            <a:r>
-              <a:rPr lang="en-US" altLang="zh-TW" dirty="0">
-                <a:latin typeface="標楷體" panose="03000509000000000000" pitchFamily="65" charset="-120"/>
-                <a:ea typeface="標楷體" panose="03000509000000000000" pitchFamily="65" charset="-120"/>
-              </a:rPr>
-              <a:t>API</a:t>
-            </a:r>
-            <a:br>
-              <a:rPr lang="en-US" altLang="zh-TW" dirty="0">
-                <a:latin typeface="標楷體" panose="03000509000000000000" pitchFamily="65" charset="-120"/>
-                <a:ea typeface="標楷體" panose="03000509000000000000" pitchFamily="65" charset="-120"/>
-              </a:rPr>
-            </a:br>
-            <a:r>
-              <a:rPr lang="en-US" altLang="zh-TW" sz="2800" dirty="0">
-                <a:latin typeface="標楷體" panose="03000509000000000000" pitchFamily="65" charset="-120"/>
-                <a:ea typeface="標楷體" panose="03000509000000000000" pitchFamily="65" charset="-120"/>
-              </a:rPr>
-              <a:t>Find and Draw</a:t>
-            </a:r>
-            <a:endParaRPr lang="zh-TW" altLang="en-US" sz="2800" dirty="0">
-              <a:latin typeface="標楷體" panose="03000509000000000000" pitchFamily="65" charset="-120"/>
-              <a:ea typeface="標楷體" panose="03000509000000000000" pitchFamily="65" charset="-120"/>
-            </a:endParaRPr>
-          </a:p>
-        </p:txBody>
-      </p:sp>
-      <p:graphicFrame>
-        <p:nvGraphicFramePr>
-          <p:cNvPr id="4" name="內容版面配置區 3">
-            <a:extLst>
-              <a:ext uri="{FF2B5EF4-FFF2-40B4-BE49-F238E27FC236}">
-                <a16:creationId xmlns:a16="http://schemas.microsoft.com/office/drawing/2014/main" id="{C6B26C76-54C3-440B-BB5A-017896455DFE}"/>
-              </a:ext>
-            </a:extLst>
-          </p:cNvPr>
-          <p:cNvGraphicFramePr>
-            <a:graphicFrameLocks noGrp="1"/>
-          </p:cNvGraphicFramePr>
-          <p:nvPr>
-            <p:ph idx="1"/>
-            <p:extLst>
-              <p:ext uri="{D42A27DB-BD31-4B8C-83A1-F6EECF244321}">
-                <p14:modId xmlns:p14="http://schemas.microsoft.com/office/powerpoint/2010/main" val="2604322133"/>
-              </p:ext>
-            </p:extLst>
-          </p:nvPr>
-        </p:nvGraphicFramePr>
-        <p:xfrm>
-          <a:off x="838200" y="2912303"/>
-          <a:ext cx="10515600" cy="1755380"/>
-        </p:xfrm>
-        <a:graphic>
-          <a:graphicData uri="http://schemas.openxmlformats.org/drawingml/2006/table">
-            <a:tbl>
-              <a:tblPr firstRow="1" bandRow="1">
-                <a:tableStyleId>{5C22544A-7EE6-4342-B048-85BDC9FD1C3A}</a:tableStyleId>
-              </a:tblPr>
-              <a:tblGrid>
-                <a:gridCol w="1388165">
-                  <a:extLst>
-                    <a:ext uri="{9D8B030D-6E8A-4147-A177-3AD203B41FA5}">
-                      <a16:colId xmlns:a16="http://schemas.microsoft.com/office/drawing/2014/main" val="3672806784"/>
-                    </a:ext>
-                  </a:extLst>
-                </a:gridCol>
-                <a:gridCol w="9127435">
-                  <a:extLst>
-                    <a:ext uri="{9D8B030D-6E8A-4147-A177-3AD203B41FA5}">
-                      <a16:colId xmlns:a16="http://schemas.microsoft.com/office/drawing/2014/main" val="3224140378"/>
-                    </a:ext>
-                  </a:extLst>
-                </a:gridCol>
-              </a:tblGrid>
-              <a:tr h="557650">
+              <a:tr h="645605">
                 <a:tc>
                   <a:txBody>
                     <a:bodyPr/>
@@ -4791,7 +4755,7 @@
                       </a:pPr>
                       <a:r>
                         <a:rPr lang="en-US" altLang="zh-TW" dirty="0" err="1"/>
-                        <a:t>Sobel_Gray_Image</a:t>
+                        <a:t>LBP_image</a:t>
                       </a:r>
                       <a:r>
                         <a:rPr lang="zh-TW" altLang="en-US" dirty="0"/>
@@ -4799,7 +4763,7 @@
                       </a:r>
                       <a:r>
                         <a:rPr lang="en-US" altLang="zh-TW" dirty="0" err="1"/>
-                        <a:t>Sobel_HSV_Image</a:t>
+                        <a:t>Original_image</a:t>
                       </a:r>
                       <a:r>
                         <a:rPr lang="zh-TW" altLang="en-US" dirty="0"/>
@@ -4807,12 +4771,9 @@
                       </a:r>
                       <a:r>
                         <a:rPr lang="en-US" altLang="zh-TW" dirty="0" err="1"/>
-                        <a:t>Color_range</a:t>
+                        <a:t>lbp_top</a:t>
                       </a:r>
-                      <a:r>
-                        <a:rPr lang="zh-TW" altLang="en-US" dirty="0"/>
-                        <a:t>　</a:t>
-                      </a:r>
+                      <a:endParaRPr lang="zh-TW" altLang="en-US" dirty="0"/>
                     </a:p>
                     <a:p>
                       <a:endParaRPr lang="zh-TW" altLang="en-US" dirty="0"/>
@@ -4826,7 +4787,7 @@
                   </a:ext>
                 </a:extLst>
               </a:tr>
-              <a:tr h="557650">
+              <a:tr h="562464">
                 <a:tc>
                   <a:txBody>
                     <a:bodyPr/>
@@ -4861,7 +4822,7 @@
                   </a:ext>
                 </a:extLst>
               </a:tr>
-              <a:tr h="557650">
+              <a:tr h="562464">
                 <a:tc>
                   <a:txBody>
                     <a:bodyPr/>
@@ -4881,6 +4842,37 @@
                     <a:bodyPr/>
                     <a:lstStyle/>
                     <a:p>
+                      <a:pPr marL="0" marR="0" lvl="0" indent="0" algn="l" defTabSz="914400" rtl="0" eaLnBrk="1" fontAlgn="auto" latinLnBrk="0" hangingPunct="1">
+                        <a:lnSpc>
+                          <a:spcPct val="100000"/>
+                        </a:lnSpc>
+                        <a:spcBef>
+                          <a:spcPts val="0"/>
+                        </a:spcBef>
+                        <a:spcAft>
+                          <a:spcPts val="0"/>
+                        </a:spcAft>
+                        <a:buClrTx/>
+                        <a:buSzTx/>
+                        <a:buFontTx/>
+                        <a:buNone/>
+                        <a:tabLst/>
+                        <a:defRPr/>
+                      </a:pPr>
+                      <a:r>
+                        <a:rPr lang="en-US" altLang="zh-TW" sz="1800" b="0" kern="1200" dirty="0">
+                          <a:solidFill>
+                            <a:schemeClr val="dk1"/>
+                          </a:solidFill>
+                          <a:effectLst/>
+                          <a:latin typeface="+mn-lt"/>
+                          <a:ea typeface="+mn-ea"/>
+                          <a:cs typeface="+mn-cs"/>
+                        </a:rPr>
+                        <a:t>Draw(image1 , image2 , top)</a:t>
+                      </a:r>
+                    </a:p>
+                    <a:p>
                       <a:endParaRPr lang="zh-TW" altLang="en-US" dirty="0"/>
                     </a:p>
                   </a:txBody>
@@ -4896,6 +4888,78 @@
           </a:graphicData>
         </a:graphic>
       </p:graphicFrame>
+      <p:pic>
+        <p:nvPicPr>
+          <p:cNvPr id="5" name="圖片 4">
+            <a:extLst>
+              <a:ext uri="{FF2B5EF4-FFF2-40B4-BE49-F238E27FC236}">
+                <a16:creationId xmlns:a16="http://schemas.microsoft.com/office/drawing/2014/main" id="{723DBEE7-9AC8-CE89-FDFA-36F8B4A84B27}"/>
+              </a:ext>
+            </a:extLst>
+          </p:cNvPr>
+          <p:cNvPicPr>
+            <a:picLocks noChangeAspect="1"/>
+          </p:cNvPicPr>
+          <p:nvPr/>
+        </p:nvPicPr>
+        <p:blipFill>
+          <a:blip r:embed="rId2">
+            <a:extLst>
+              <a:ext uri="{28A0092B-C50C-407E-A947-70E740481C1C}">
+                <a14:useLocalDpi xmlns:a14="http://schemas.microsoft.com/office/drawing/2010/main" val="0"/>
+              </a:ext>
+            </a:extLst>
+          </a:blip>
+          <a:stretch>
+            <a:fillRect/>
+          </a:stretch>
+        </p:blipFill>
+        <p:spPr>
+          <a:xfrm>
+            <a:off x="7393709" y="1914774"/>
+            <a:ext cx="3810000" cy="2019300"/>
+          </a:xfrm>
+          <a:prstGeom prst="rect">
+            <a:avLst/>
+          </a:prstGeom>
+        </p:spPr>
+      </p:pic>
+      <p:pic>
+        <p:nvPicPr>
+          <p:cNvPr id="7" name="圖片 6">
+            <a:extLst>
+              <a:ext uri="{FF2B5EF4-FFF2-40B4-BE49-F238E27FC236}">
+                <a16:creationId xmlns:a16="http://schemas.microsoft.com/office/drawing/2014/main" id="{82C42137-4FBC-3634-E2CF-863127919B51}"/>
+              </a:ext>
+            </a:extLst>
+          </p:cNvPr>
+          <p:cNvPicPr>
+            <a:picLocks noChangeAspect="1"/>
+          </p:cNvPicPr>
+          <p:nvPr/>
+        </p:nvPicPr>
+        <p:blipFill>
+          <a:blip r:embed="rId3">
+            <a:extLst>
+              <a:ext uri="{28A0092B-C50C-407E-A947-70E740481C1C}">
+                <a14:useLocalDpi xmlns:a14="http://schemas.microsoft.com/office/drawing/2010/main" val="0"/>
+              </a:ext>
+            </a:extLst>
+          </a:blip>
+          <a:stretch>
+            <a:fillRect/>
+          </a:stretch>
+        </p:blipFill>
+        <p:spPr>
+          <a:xfrm>
+            <a:off x="7393709" y="4473575"/>
+            <a:ext cx="3810000" cy="2019300"/>
+          </a:xfrm>
+          <a:prstGeom prst="rect">
+            <a:avLst/>
+          </a:prstGeom>
+        </p:spPr>
+      </p:pic>
     </p:spTree>
     <p:extLst>
       <p:ext uri="{BB962C8B-B14F-4D97-AF65-F5344CB8AC3E}">
